--- a/Lecture09_DifferenceinDifferences/Lecture9_DiD_2022F.pptx
+++ b/Lecture09_DifferenceinDifferences/Lecture9_DiD_2022F.pptx
@@ -252,7 +252,7 @@
           <a:p>
             <a:fld id="{EF911157-0FC2-4F06-8D61-FD647FE4E19D}" type="datetimeFigureOut">
               <a:rPr lang="en-US" smtClean="0"/>
-              <a:t>7/19/2022</a:t>
+              <a:t>7/20/2022</a:t>
             </a:fld>
             <a:endParaRPr lang="en-US"/>
           </a:p>
@@ -3244,7 +3244,7 @@
           <a:p>
             <a:r>
               <a:rPr lang="en-US" dirty="0"/>
-              <a:t>Precision is reduced because we’re limiting variation to one period only. </a:t>
+              <a:t>Precision is reduced because we’re limiting variation to one period only. Note that these are also called event studies. </a:t>
             </a:r>
           </a:p>
         </p:txBody>
@@ -3331,8 +3331,21 @@
           <a:p>
             <a:r>
               <a:rPr lang="en-US" dirty="0"/>
-              <a:t>Precision is reduced because we’re limiting variation to one period only. Note that these are also called event studies. </a:t>
-            </a:r>
+              <a:t>Precision is reduced because we’re limiting variation to one period only. This leads to low power for pre-trends tests! If time, can mention Jonathan Roth’s “draw a straight/curved line” test for </a:t>
+            </a:r>
+            <a:r>
+              <a:rPr lang="en-US" dirty="0" err="1"/>
+              <a:t>pretrends</a:t>
+            </a:r>
+            <a:r>
+              <a:rPr lang="en-US" dirty="0"/>
+              <a:t> (based on He and Wong </a:t>
+            </a:r>
+            <a:r>
+              <a:rPr lang="en-US"/>
+              <a:t>2017’s graph). </a:t>
+            </a:r>
+            <a:endParaRPr lang="en-US" dirty="0"/>
           </a:p>
         </p:txBody>
       </p:sp>
@@ -4358,7 +4371,7 @@
             <a:fld id="{0972D05C-DCFB-4BB6-B49C-AC126BF3ED2C}" type="datetimeFigureOut">
               <a:rPr lang="en-US" smtClean="0"/>
               <a:pPr/>
-              <a:t>7/19/2022</a:t>
+              <a:t>7/20/2022</a:t>
             </a:fld>
             <a:endParaRPr lang="en-US"/>
           </a:p>
@@ -4588,7 +4601,7 @@
             <a:fld id="{0972D05C-DCFB-4BB6-B49C-AC126BF3ED2C}" type="datetimeFigureOut">
               <a:rPr lang="en-US" smtClean="0"/>
               <a:pPr/>
-              <a:t>7/19/2022</a:t>
+              <a:t>7/20/2022</a:t>
             </a:fld>
             <a:endParaRPr lang="en-US"/>
           </a:p>
@@ -4770,7 +4783,7 @@
             <a:fld id="{0972D05C-DCFB-4BB6-B49C-AC126BF3ED2C}" type="datetimeFigureOut">
               <a:rPr lang="en-US" smtClean="0"/>
               <a:pPr/>
-              <a:t>7/19/2022</a:t>
+              <a:t>7/20/2022</a:t>
             </a:fld>
             <a:endParaRPr lang="en-US"/>
           </a:p>
@@ -4942,7 +4955,7 @@
             <a:fld id="{0972D05C-DCFB-4BB6-B49C-AC126BF3ED2C}" type="datetimeFigureOut">
               <a:rPr lang="en-US" smtClean="0"/>
               <a:pPr/>
-              <a:t>7/19/2022</a:t>
+              <a:t>7/20/2022</a:t>
             </a:fld>
             <a:endParaRPr lang="en-US"/>
           </a:p>
@@ -5198,7 +5211,7 @@
             <a:fld id="{0972D05C-DCFB-4BB6-B49C-AC126BF3ED2C}" type="datetimeFigureOut">
               <a:rPr lang="en-US" smtClean="0"/>
               <a:pPr/>
-              <a:t>7/19/2022</a:t>
+              <a:t>7/20/2022</a:t>
             </a:fld>
             <a:endParaRPr lang="en-US"/>
           </a:p>
@@ -5526,7 +5539,7 @@
             <a:fld id="{0972D05C-DCFB-4BB6-B49C-AC126BF3ED2C}" type="datetimeFigureOut">
               <a:rPr lang="en-US" smtClean="0"/>
               <a:pPr/>
-              <a:t>7/19/2022</a:t>
+              <a:t>7/20/2022</a:t>
             </a:fld>
             <a:endParaRPr lang="en-US"/>
           </a:p>
@@ -5979,7 +5992,7 @@
             <a:fld id="{0972D05C-DCFB-4BB6-B49C-AC126BF3ED2C}" type="datetimeFigureOut">
               <a:rPr lang="en-US" smtClean="0"/>
               <a:pPr/>
-              <a:t>7/19/2022</a:t>
+              <a:t>7/20/2022</a:t>
             </a:fld>
             <a:endParaRPr lang="en-US"/>
           </a:p>
@@ -6099,7 +6112,7 @@
             <a:fld id="{0972D05C-DCFB-4BB6-B49C-AC126BF3ED2C}" type="datetimeFigureOut">
               <a:rPr lang="en-US" smtClean="0"/>
               <a:pPr/>
-              <a:t>7/19/2022</a:t>
+              <a:t>7/20/2022</a:t>
             </a:fld>
             <a:endParaRPr lang="en-US"/>
           </a:p>
@@ -6196,7 +6209,7 @@
             <a:fld id="{0972D05C-DCFB-4BB6-B49C-AC126BF3ED2C}" type="datetimeFigureOut">
               <a:rPr lang="en-US" smtClean="0"/>
               <a:pPr/>
-              <a:t>7/19/2022</a:t>
+              <a:t>7/20/2022</a:t>
             </a:fld>
             <a:endParaRPr lang="en-US"/>
           </a:p>
@@ -6485,7 +6498,7 @@
             <a:fld id="{0972D05C-DCFB-4BB6-B49C-AC126BF3ED2C}" type="datetimeFigureOut">
               <a:rPr lang="en-US" smtClean="0"/>
               <a:pPr/>
-              <a:t>7/19/2022</a:t>
+              <a:t>7/20/2022</a:t>
             </a:fld>
             <a:endParaRPr lang="en-US"/>
           </a:p>
@@ -6809,7 +6822,7 @@
             <a:fld id="{0972D05C-DCFB-4BB6-B49C-AC126BF3ED2C}" type="datetimeFigureOut">
               <a:rPr lang="en-US" smtClean="0"/>
               <a:pPr/>
-              <a:t>7/19/2022</a:t>
+              <a:t>7/20/2022</a:t>
             </a:fld>
             <a:endParaRPr lang="en-US"/>
           </a:p>
@@ -7064,7 +7077,7 @@
             <a:fld id="{0972D05C-DCFB-4BB6-B49C-AC126BF3ED2C}" type="datetimeFigureOut">
               <a:rPr lang="en-US" smtClean="0"/>
               <a:pPr/>
-              <a:t>7/19/2022</a:t>
+              <a:t>7/20/2022</a:t>
             </a:fld>
             <a:endParaRPr lang="en-US" dirty="0"/>
           </a:p>
@@ -7927,8 +7940,8 @@
           </a:p>
         </p:txBody>
       </p:sp>
-      <mc:AlternateContent xmlns:mc="http://schemas.openxmlformats.org/markup-compatibility/2006">
-        <mc:Choice xmlns:a14="http://schemas.microsoft.com/office/drawing/2010/main" Requires="a14">
+      <mc:AlternateContent xmlns:mc="http://schemas.openxmlformats.org/markup-compatibility/2006" xmlns:a14="http://schemas.microsoft.com/office/drawing/2010/main">
+        <mc:Choice Requires="a14">
           <p:sp>
             <p:nvSpPr>
               <p:cNvPr id="3" name="Content Placeholder 2"/>
@@ -8090,7 +8103,7 @@
             </p:txBody>
           </p:sp>
         </mc:Choice>
-        <mc:Fallback>
+        <mc:Fallback xmlns="">
           <p:sp>
             <p:nvSpPr>
               <p:cNvPr id="3" name="Content Placeholder 2"/>
@@ -8256,8 +8269,8 @@
           </a:fontRef>
         </p:style>
       </p:sp>
-      <mc:AlternateContent xmlns:mc="http://schemas.openxmlformats.org/markup-compatibility/2006">
-        <mc:Choice xmlns:a14="http://schemas.microsoft.com/office/drawing/2010/main" Requires="a14">
+      <mc:AlternateContent xmlns:mc="http://schemas.openxmlformats.org/markup-compatibility/2006" xmlns:a14="http://schemas.microsoft.com/office/drawing/2010/main">
+        <mc:Choice Requires="a14">
           <p:sp>
             <p:nvSpPr>
               <p:cNvPr id="3" name="Content Placeholder 2"/>
@@ -8439,7 +8452,7 @@
             </p:txBody>
           </p:sp>
         </mc:Choice>
-        <mc:Fallback>
+        <mc:Fallback xmlns="">
           <p:sp>
             <p:nvSpPr>
               <p:cNvPr id="3" name="Content Placeholder 2"/>
@@ -10113,8 +10126,8 @@
           </a:p>
         </p:txBody>
       </p:sp>
-      <mc:AlternateContent xmlns:mc="http://schemas.openxmlformats.org/markup-compatibility/2006">
-        <mc:Choice xmlns:a14="http://schemas.microsoft.com/office/drawing/2010/main" Requires="a14">
+      <mc:AlternateContent xmlns:mc="http://schemas.openxmlformats.org/markup-compatibility/2006" xmlns:a14="http://schemas.microsoft.com/office/drawing/2010/main">
+        <mc:Choice Requires="a14">
           <p:sp>
             <p:nvSpPr>
               <p:cNvPr id="3" name="Content Placeholder 2"/>
@@ -10669,7 +10682,7 @@
             </p:txBody>
           </p:sp>
         </mc:Choice>
-        <mc:Fallback>
+        <mc:Fallback xmlns="">
           <p:sp>
             <p:nvSpPr>
               <p:cNvPr id="3" name="Content Placeholder 2"/>
@@ -14232,7 +14245,7 @@
           <p:nvPr/>
         </p:nvPicPr>
         <p:blipFill>
-          <a:blip r:embed="rId3">
+          <a:blip r:embed="rId4" cstate="print">
             <a:extLst>
               <a:ext uri="{28A0092B-C50C-407E-A947-70E740481C1C}">
                 <a14:useLocalDpi xmlns:a14="http://schemas.microsoft.com/office/drawing/2010/main" val="0"/>
@@ -15954,8 +15967,8 @@
           </a:p>
         </p:txBody>
       </p:sp>
-      <mc:AlternateContent xmlns:mc="http://schemas.openxmlformats.org/markup-compatibility/2006">
-        <mc:Choice xmlns:a14="http://schemas.microsoft.com/office/drawing/2010/main" Requires="a14">
+      <mc:AlternateContent xmlns:mc="http://schemas.openxmlformats.org/markup-compatibility/2006" xmlns:a14="http://schemas.microsoft.com/office/drawing/2010/main">
+        <mc:Choice Requires="a14">
           <p:sp>
             <p:nvSpPr>
               <p:cNvPr id="3" name="Content Placeholder 2"/>
@@ -16124,7 +16137,7 @@
             </p:txBody>
           </p:sp>
         </mc:Choice>
-        <mc:Fallback>
+        <mc:Fallback xmlns="">
           <p:sp>
             <p:nvSpPr>
               <p:cNvPr id="3" name="Content Placeholder 2"/>
@@ -16227,8 +16240,8 @@
           </a:p>
         </p:txBody>
       </p:sp>
-      <mc:AlternateContent xmlns:mc="http://schemas.openxmlformats.org/markup-compatibility/2006">
-        <mc:Choice xmlns:a14="http://schemas.microsoft.com/office/drawing/2010/main" Requires="a14">
+      <mc:AlternateContent xmlns:mc="http://schemas.openxmlformats.org/markup-compatibility/2006" xmlns:a14="http://schemas.microsoft.com/office/drawing/2010/main">
+        <mc:Choice Requires="a14">
           <p:sp>
             <p:nvSpPr>
               <p:cNvPr id="3" name="Content Placeholder 2"/>
@@ -16409,7 +16422,7 @@
             </p:txBody>
           </p:sp>
         </mc:Choice>
-        <mc:Fallback>
+        <mc:Fallback xmlns="">
           <p:sp>
             <p:nvSpPr>
               <p:cNvPr id="3" name="Content Placeholder 2"/>
@@ -16512,8 +16525,8 @@
           </a:p>
         </p:txBody>
       </p:sp>
-      <mc:AlternateContent xmlns:mc="http://schemas.openxmlformats.org/markup-compatibility/2006">
-        <mc:Choice xmlns:a14="http://schemas.microsoft.com/office/drawing/2010/main" Requires="a14">
+      <mc:AlternateContent xmlns:mc="http://schemas.openxmlformats.org/markup-compatibility/2006" xmlns:a14="http://schemas.microsoft.com/office/drawing/2010/main">
+        <mc:Choice Requires="a14">
           <p:sp>
             <p:nvSpPr>
               <p:cNvPr id="3" name="Content Placeholder 2"/>
@@ -16724,7 +16737,7 @@
             </p:txBody>
           </p:sp>
         </mc:Choice>
-        <mc:Fallback>
+        <mc:Fallback xmlns="">
           <p:sp>
             <p:nvSpPr>
               <p:cNvPr id="3" name="Content Placeholder 2"/>

--- a/Lecture09_DifferenceinDifferences/Lecture9_DiD_2022F.pptx
+++ b/Lecture09_DifferenceinDifferences/Lecture9_DiD_2022F.pptx
@@ -32,12 +32,12 @@
     <p:sldId id="601" r:id="rId23"/>
     <p:sldId id="602" r:id="rId24"/>
     <p:sldId id="620" r:id="rId25"/>
-    <p:sldId id="627" r:id="rId26"/>
-    <p:sldId id="603" r:id="rId27"/>
-    <p:sldId id="628" r:id="rId28"/>
-    <p:sldId id="606" r:id="rId29"/>
-    <p:sldId id="607" r:id="rId30"/>
-    <p:sldId id="608" r:id="rId31"/>
+    <p:sldId id="603" r:id="rId26"/>
+    <p:sldId id="628" r:id="rId27"/>
+    <p:sldId id="606" r:id="rId28"/>
+    <p:sldId id="607" r:id="rId29"/>
+    <p:sldId id="632" r:id="rId30"/>
+    <p:sldId id="633" r:id="rId31"/>
     <p:sldId id="629" r:id="rId32"/>
     <p:sldId id="630" r:id="rId33"/>
     <p:sldId id="604" r:id="rId34"/>
@@ -259,7 +259,7 @@
           <a:p>
             <a:fld id="{EF911157-0FC2-4F06-8D61-FD647FE4E19D}" type="datetimeFigureOut">
               <a:rPr lang="en-US" smtClean="0"/>
-              <a:t>8/15/2022</a:t>
+              <a:t>11/9/2022</a:t>
             </a:fld>
             <a:endParaRPr lang="en-US"/>
           </a:p>
@@ -575,6 +575,79 @@
           <a:bodyPr/>
           <a:lstStyle/>
           <a:p>
+            <a:r>
+              <a:rPr lang="en-US" dirty="0"/>
+              <a:t>Things to discuss: </a:t>
+            </a:r>
+            <a:r>
+              <a:rPr lang="en-CA" sz="1800" dirty="0">
+                <a:effectLst/>
+                <a:latin typeface="Calibri" panose="020F0502020204030204" pitchFamily="34" charset="0"/>
+                <a:ea typeface="Times New Roman" panose="02020603050405020304" pitchFamily="18" charset="0"/>
+                <a:cs typeface="Times New Roman" panose="02020603050405020304" pitchFamily="18" charset="0"/>
+              </a:rPr>
+              <a:t>Announce about zoom (will record, maybe can meet in this classroom, </a:t>
+            </a:r>
+            <a:r>
+              <a:rPr lang="en-CA" sz="1800" dirty="0" err="1">
+                <a:effectLst/>
+                <a:latin typeface="Calibri" panose="020F0502020204030204" pitchFamily="34" charset="0"/>
+                <a:ea typeface="Times New Roman" panose="02020603050405020304" pitchFamily="18" charset="0"/>
+                <a:cs typeface="Times New Roman" panose="02020603050405020304" pitchFamily="18" charset="0"/>
+              </a:rPr>
+              <a:t>etc</a:t>
+            </a:r>
+            <a:r>
+              <a:rPr lang="en-CA" sz="1800" dirty="0">
+                <a:effectLst/>
+                <a:latin typeface="Calibri" panose="020F0502020204030204" pitchFamily="34" charset="0"/>
+                <a:ea typeface="Times New Roman" panose="02020603050405020304" pitchFamily="18" charset="0"/>
+                <a:cs typeface="Times New Roman" panose="02020603050405020304" pitchFamily="18" charset="0"/>
+              </a:rPr>
+              <a:t>)</a:t>
+            </a:r>
+          </a:p>
+          <a:p>
+            <a:r>
+              <a:rPr lang="en-CA" sz="1800" dirty="0">
+                <a:effectLst/>
+                <a:latin typeface="Calibri" panose="020F0502020204030204" pitchFamily="34" charset="0"/>
+                <a:ea typeface="Times New Roman" panose="02020603050405020304" pitchFamily="18" charset="0"/>
+                <a:cs typeface="Times New Roman" panose="02020603050405020304" pitchFamily="18" charset="0"/>
+              </a:rPr>
+              <a:t>Also announce about doing project in R markdown can R</a:t>
+            </a:r>
+          </a:p>
+          <a:p>
+            <a:r>
+              <a:rPr lang="en-CA" sz="1800" dirty="0">
+                <a:effectLst/>
+                <a:latin typeface="Calibri" panose="020F0502020204030204" pitchFamily="34" charset="0"/>
+                <a:ea typeface="Times New Roman" panose="02020603050405020304" pitchFamily="18" charset="0"/>
+                <a:cs typeface="Times New Roman" panose="02020603050405020304" pitchFamily="18" charset="0"/>
+              </a:rPr>
+              <a:t>Finally talk about special office hours (</a:t>
+            </a:r>
+            <a:r>
+              <a:rPr lang="en-CA" sz="1800" dirty="0" err="1">
+                <a:effectLst/>
+                <a:latin typeface="Calibri" panose="020F0502020204030204" pitchFamily="34" charset="0"/>
+                <a:ea typeface="Times New Roman" panose="02020603050405020304" pitchFamily="18" charset="0"/>
+                <a:cs typeface="Times New Roman" panose="02020603050405020304" pitchFamily="18" charset="0"/>
+              </a:rPr>
+              <a:t>nov</a:t>
+            </a:r>
+            <a:r>
+              <a:rPr lang="en-CA" sz="1800">
+                <a:effectLst/>
+                <a:latin typeface="Calibri" panose="020F0502020204030204" pitchFamily="34" charset="0"/>
+                <a:ea typeface="Times New Roman" panose="02020603050405020304" pitchFamily="18" charset="0"/>
+                <a:cs typeface="Times New Roman" panose="02020603050405020304" pitchFamily="18" charset="0"/>
+              </a:rPr>
+              <a:t> 23?)</a:t>
+            </a:r>
+          </a:p>
+          <a:p>
             <a:pPr marL="0" indent="0">
               <a:buFont typeface="Arial" panose="020B0604020202020204" pitchFamily="34" charset="0"/>
               <a:buNone/>
@@ -1303,7 +1376,7 @@
             </a:r>
             <a:r>
               <a:rPr lang="en-US" i="0" dirty="0"/>
-              <a:t>states.</a:t>
+              <a:t>states. Open back door of time variation! </a:t>
             </a:r>
             <a:endParaRPr lang="en-US" dirty="0"/>
           </a:p>
@@ -1389,7 +1462,10 @@
           <a:bodyPr/>
           <a:lstStyle/>
           <a:p>
-            <a:endParaRPr lang="en-US" dirty="0"/>
+            <a:r>
+              <a:rPr lang="en-US" dirty="0"/>
+              <a:t>The intuition behind the DID</a:t>
+            </a:r>
           </a:p>
         </p:txBody>
       </p:sp>
@@ -1647,7 +1723,7 @@
           <a:p>
             <a:r>
               <a:rPr lang="en-US" dirty="0"/>
-              <a:t>Note that now the trend in the control group is perfectly flat</a:t>
+              <a:t>Note that now the trend in the control group is perfectly flat (we’ve ‘rescaled’ the post-period to make this true)</a:t>
             </a:r>
           </a:p>
         </p:txBody>
@@ -1918,9 +1994,12 @@
           <a:lstStyle/>
           <a:p>
             <a:r>
-              <a:rPr lang="en-US" dirty="0"/>
-              <a:t>Hence, delta can identify an ATT (we’ll circle back to this in a second). But it needs something to be true: what? We need differences pre and post to cancel out across treated and control units (next slide)</a:t>
-            </a:r>
+              <a:rPr lang="en-US" sz="1200" dirty="0">
+                <a:cs typeface="Times New Roman" panose="02020603050405020304" pitchFamily="18" charset="0"/>
+              </a:rPr>
+              <a:t>Our goal is to use variation in control group to represent all non-treatment changes in the treated group – hence, the variations need to match! You will have to defend the parallel trends assumption in your story, not by a statistical test</a:t>
+            </a:r>
+            <a:endParaRPr lang="en-US" dirty="0"/>
           </a:p>
         </p:txBody>
       </p:sp>
@@ -1950,7 +2029,7 @@
     </p:spTree>
     <p:extLst>
       <p:ext uri="{BB962C8B-B14F-4D97-AF65-F5344CB8AC3E}">
-        <p14:creationId xmlns:p14="http://schemas.microsoft.com/office/powerpoint/2010/main" val="27071148"/>
+        <p14:creationId xmlns:p14="http://schemas.microsoft.com/office/powerpoint/2010/main" val="806746501"/>
       </p:ext>
     </p:extLst>
   </p:cSld>
@@ -2008,7 +2087,7 @@
               <a:rPr lang="en-US" sz="1200" dirty="0">
                 <a:cs typeface="Times New Roman" panose="02020603050405020304" pitchFamily="18" charset="0"/>
               </a:rPr>
-              <a:t>Our goal is to use variation in control group to represent all non-treatment changes in the treated group – hence, the variations need to match! You will have to defend the parallel trends assumption in your story, not by a statistical test</a:t>
+              <a:t>Here’s an example where it works</a:t>
             </a:r>
             <a:endParaRPr lang="en-US" dirty="0"/>
           </a:p>
@@ -2040,7 +2119,7 @@
     </p:spTree>
     <p:extLst>
       <p:ext uri="{BB962C8B-B14F-4D97-AF65-F5344CB8AC3E}">
-        <p14:creationId xmlns:p14="http://schemas.microsoft.com/office/powerpoint/2010/main" val="806746501"/>
+        <p14:creationId xmlns:p14="http://schemas.microsoft.com/office/powerpoint/2010/main" val="2114927079"/>
       </p:ext>
     </p:extLst>
   </p:cSld>
@@ -2098,7 +2177,7 @@
               <a:rPr lang="en-US" sz="1200" dirty="0">
                 <a:cs typeface="Times New Roman" panose="02020603050405020304" pitchFamily="18" charset="0"/>
               </a:rPr>
-              <a:t>Here’s an example where it works</a:t>
+              <a:t>Simple table of how DID works – start by just looking at treated row, then look at control row</a:t>
             </a:r>
             <a:endParaRPr lang="en-US" dirty="0"/>
           </a:p>
@@ -2130,7 +2209,7 @@
     </p:spTree>
     <p:extLst>
       <p:ext uri="{BB962C8B-B14F-4D97-AF65-F5344CB8AC3E}">
-        <p14:creationId xmlns:p14="http://schemas.microsoft.com/office/powerpoint/2010/main" val="2114927079"/>
+        <p14:creationId xmlns:p14="http://schemas.microsoft.com/office/powerpoint/2010/main" val="1665180626"/>
       </p:ext>
     </p:extLst>
   </p:cSld>
@@ -2188,7 +2267,7 @@
               <a:rPr lang="en-US" sz="1200" dirty="0">
                 <a:cs typeface="Times New Roman" panose="02020603050405020304" pitchFamily="18" charset="0"/>
               </a:rPr>
-              <a:t>Simple table of how DID works</a:t>
+              <a:t>No treatment effect in the control group</a:t>
             </a:r>
             <a:endParaRPr lang="en-US" dirty="0"/>
           </a:p>
@@ -2220,7 +2299,7 @@
     </p:spTree>
     <p:extLst>
       <p:ext uri="{BB962C8B-B14F-4D97-AF65-F5344CB8AC3E}">
-        <p14:creationId xmlns:p14="http://schemas.microsoft.com/office/powerpoint/2010/main" val="1665180626"/>
+        <p14:creationId xmlns:p14="http://schemas.microsoft.com/office/powerpoint/2010/main" val="3512528957"/>
       </p:ext>
     </p:extLst>
   </p:cSld>
@@ -2278,7 +2357,7 @@
               <a:rPr lang="en-US" sz="1200" dirty="0">
                 <a:cs typeface="Times New Roman" panose="02020603050405020304" pitchFamily="18" charset="0"/>
               </a:rPr>
-              <a:t>No treatment effect in the control group</a:t>
+              <a:t>Hence, if no parallel trends assumption, we have a biased estimator. </a:t>
             </a:r>
             <a:endParaRPr lang="en-US" dirty="0"/>
           </a:p>
@@ -2310,7 +2389,7 @@
     </p:spTree>
     <p:extLst>
       <p:ext uri="{BB962C8B-B14F-4D97-AF65-F5344CB8AC3E}">
-        <p14:creationId xmlns:p14="http://schemas.microsoft.com/office/powerpoint/2010/main" val="3512528957"/>
+        <p14:creationId xmlns:p14="http://schemas.microsoft.com/office/powerpoint/2010/main" val="3164813253"/>
       </p:ext>
     </p:extLst>
   </p:cSld>
@@ -2400,7 +2479,7 @@
     </p:spTree>
     <p:extLst>
       <p:ext uri="{BB962C8B-B14F-4D97-AF65-F5344CB8AC3E}">
-        <p14:creationId xmlns:p14="http://schemas.microsoft.com/office/powerpoint/2010/main" val="2448894914"/>
+        <p14:creationId xmlns:p14="http://schemas.microsoft.com/office/powerpoint/2010/main" val="370749443"/>
       </p:ext>
     </p:extLst>
   </p:cSld>
@@ -2989,8 +3068,19 @@
           <a:p>
             <a:r>
               <a:rPr lang="en-US" dirty="0"/>
-              <a:t>Need to justify your parallel trends in the space you want to perform the regression (e.g., logs or levels)</a:t>
-            </a:r>
+              <a:t>Need to justify your parallel trends in the space you want to perform the regression (e.g., logs or levels). Hudson et al called “</a:t>
+            </a:r>
+            <a:r>
+              <a:rPr lang="en-CA" b="0" i="0" dirty="0">
+                <a:solidFill>
+                  <a:srgbClr val="5D6879"/>
+                </a:solidFill>
+                <a:effectLst/>
+                <a:latin typeface="Courier New" panose="02070309020205020404" pitchFamily="49" charset="0"/>
+              </a:rPr>
+              <a:t>{Interpreting instrumented difference-in-differences”</a:t>
+            </a:r>
+            <a:endParaRPr lang="en-US" dirty="0"/>
           </a:p>
         </p:txBody>
       </p:sp>
@@ -4408,7 +4498,10 @@
           <a:bodyPr/>
           <a:lstStyle/>
           <a:p>
-            <a:endParaRPr lang="en-US" dirty="0"/>
+            <a:r>
+              <a:rPr lang="en-US" dirty="0"/>
+              <a:t>This is popular because it’s powerful – we’ve already seen examples of this. </a:t>
+            </a:r>
           </a:p>
         </p:txBody>
       </p:sp>
@@ -4981,7 +5074,7 @@
             <a:fld id="{0972D05C-DCFB-4BB6-B49C-AC126BF3ED2C}" type="datetimeFigureOut">
               <a:rPr lang="en-US" smtClean="0"/>
               <a:pPr/>
-              <a:t>8/15/2022</a:t>
+              <a:t>11/9/2022</a:t>
             </a:fld>
             <a:endParaRPr lang="en-US"/>
           </a:p>
@@ -5211,7 +5304,7 @@
             <a:fld id="{0972D05C-DCFB-4BB6-B49C-AC126BF3ED2C}" type="datetimeFigureOut">
               <a:rPr lang="en-US" smtClean="0"/>
               <a:pPr/>
-              <a:t>8/15/2022</a:t>
+              <a:t>11/9/2022</a:t>
             </a:fld>
             <a:endParaRPr lang="en-US"/>
           </a:p>
@@ -5393,7 +5486,7 @@
             <a:fld id="{0972D05C-DCFB-4BB6-B49C-AC126BF3ED2C}" type="datetimeFigureOut">
               <a:rPr lang="en-US" smtClean="0"/>
               <a:pPr/>
-              <a:t>8/15/2022</a:t>
+              <a:t>11/9/2022</a:t>
             </a:fld>
             <a:endParaRPr lang="en-US"/>
           </a:p>
@@ -5565,7 +5658,7 @@
             <a:fld id="{0972D05C-DCFB-4BB6-B49C-AC126BF3ED2C}" type="datetimeFigureOut">
               <a:rPr lang="en-US" smtClean="0"/>
               <a:pPr/>
-              <a:t>8/15/2022</a:t>
+              <a:t>11/9/2022</a:t>
             </a:fld>
             <a:endParaRPr lang="en-US"/>
           </a:p>
@@ -5821,7 +5914,7 @@
             <a:fld id="{0972D05C-DCFB-4BB6-B49C-AC126BF3ED2C}" type="datetimeFigureOut">
               <a:rPr lang="en-US" smtClean="0"/>
               <a:pPr/>
-              <a:t>8/15/2022</a:t>
+              <a:t>11/9/2022</a:t>
             </a:fld>
             <a:endParaRPr lang="en-US"/>
           </a:p>
@@ -6149,7 +6242,7 @@
             <a:fld id="{0972D05C-DCFB-4BB6-B49C-AC126BF3ED2C}" type="datetimeFigureOut">
               <a:rPr lang="en-US" smtClean="0"/>
               <a:pPr/>
-              <a:t>8/15/2022</a:t>
+              <a:t>11/9/2022</a:t>
             </a:fld>
             <a:endParaRPr lang="en-US"/>
           </a:p>
@@ -6602,7 +6695,7 @@
             <a:fld id="{0972D05C-DCFB-4BB6-B49C-AC126BF3ED2C}" type="datetimeFigureOut">
               <a:rPr lang="en-US" smtClean="0"/>
               <a:pPr/>
-              <a:t>8/15/2022</a:t>
+              <a:t>11/9/2022</a:t>
             </a:fld>
             <a:endParaRPr lang="en-US"/>
           </a:p>
@@ -6722,7 +6815,7 @@
             <a:fld id="{0972D05C-DCFB-4BB6-B49C-AC126BF3ED2C}" type="datetimeFigureOut">
               <a:rPr lang="en-US" smtClean="0"/>
               <a:pPr/>
-              <a:t>8/15/2022</a:t>
+              <a:t>11/9/2022</a:t>
             </a:fld>
             <a:endParaRPr lang="en-US"/>
           </a:p>
@@ -6819,7 +6912,7 @@
             <a:fld id="{0972D05C-DCFB-4BB6-B49C-AC126BF3ED2C}" type="datetimeFigureOut">
               <a:rPr lang="en-US" smtClean="0"/>
               <a:pPr/>
-              <a:t>8/15/2022</a:t>
+              <a:t>11/9/2022</a:t>
             </a:fld>
             <a:endParaRPr lang="en-US"/>
           </a:p>
@@ -7108,7 +7201,7 @@
             <a:fld id="{0972D05C-DCFB-4BB6-B49C-AC126BF3ED2C}" type="datetimeFigureOut">
               <a:rPr lang="en-US" smtClean="0"/>
               <a:pPr/>
-              <a:t>8/15/2022</a:t>
+              <a:t>11/9/2022</a:t>
             </a:fld>
             <a:endParaRPr lang="en-US"/>
           </a:p>
@@ -7432,7 +7525,7 @@
             <a:fld id="{0972D05C-DCFB-4BB6-B49C-AC126BF3ED2C}" type="datetimeFigureOut">
               <a:rPr lang="en-US" smtClean="0"/>
               <a:pPr/>
-              <a:t>8/15/2022</a:t>
+              <a:t>11/9/2022</a:t>
             </a:fld>
             <a:endParaRPr lang="en-US"/>
           </a:p>
@@ -7687,7 +7780,7 @@
             <a:fld id="{0972D05C-DCFB-4BB6-B49C-AC126BF3ED2C}" type="datetimeFigureOut">
               <a:rPr lang="en-US" smtClean="0"/>
               <a:pPr/>
-              <a:t>8/15/2022</a:t>
+              <a:t>11/9/2022</a:t>
             </a:fld>
             <a:endParaRPr lang="en-US" dirty="0"/>
           </a:p>
@@ -8237,7 +8330,7 @@
           <a:p>
             <a:r>
               <a:rPr lang="en-US" sz="2400" dirty="0"/>
-              <a:t>November 4, 2022</a:t>
+              <a:t>November 11, 2022</a:t>
             </a:r>
           </a:p>
           <a:p>
@@ -8900,8 +8993,8 @@
           </a:p>
         </p:txBody>
       </p:sp>
-      <mc:AlternateContent xmlns:mc="http://schemas.openxmlformats.org/markup-compatibility/2006">
-        <mc:Choice xmlns:a14="http://schemas.microsoft.com/office/drawing/2010/main" Requires="a14">
+      <mc:AlternateContent xmlns:mc="http://schemas.openxmlformats.org/markup-compatibility/2006" xmlns:a14="http://schemas.microsoft.com/office/drawing/2010/main">
+        <mc:Choice Requires="a14">
           <p:sp>
             <p:nvSpPr>
               <p:cNvPr id="3" name="Content Placeholder 2"/>
@@ -9063,7 +9156,7 @@
             </p:txBody>
           </p:sp>
         </mc:Choice>
-        <mc:Fallback>
+        <mc:Fallback xmlns="">
           <p:sp>
             <p:nvSpPr>
               <p:cNvPr id="3" name="Content Placeholder 2"/>
@@ -9229,8 +9322,8 @@
           </a:fontRef>
         </p:style>
       </p:sp>
-      <mc:AlternateContent xmlns:mc="http://schemas.openxmlformats.org/markup-compatibility/2006">
-        <mc:Choice xmlns:a14="http://schemas.microsoft.com/office/drawing/2010/main" Requires="a14">
+      <mc:AlternateContent xmlns:mc="http://schemas.openxmlformats.org/markup-compatibility/2006" xmlns:a14="http://schemas.microsoft.com/office/drawing/2010/main">
+        <mc:Choice Requires="a14">
           <p:sp>
             <p:nvSpPr>
               <p:cNvPr id="3" name="Content Placeholder 2"/>
@@ -9412,7 +9505,7 @@
             </p:txBody>
           </p:sp>
         </mc:Choice>
-        <mc:Fallback>
+        <mc:Fallback xmlns="">
           <p:sp>
             <p:nvSpPr>
               <p:cNvPr id="3" name="Content Placeholder 2"/>
@@ -10003,8 +10096,8 @@
           </a:p>
         </p:txBody>
       </p:sp>
-      <mc:AlternateContent xmlns:mc="http://schemas.openxmlformats.org/markup-compatibility/2006">
-        <mc:Choice xmlns:a14="http://schemas.microsoft.com/office/drawing/2010/main" Requires="a14">
+      <mc:AlternateContent xmlns:mc="http://schemas.openxmlformats.org/markup-compatibility/2006" xmlns:a14="http://schemas.microsoft.com/office/drawing/2010/main">
+        <mc:Choice Requires="a14">
           <p:sp>
             <p:nvSpPr>
               <p:cNvPr id="3" name="Content Placeholder 2"/>
@@ -10331,7 +10424,7 @@
             </p:txBody>
           </p:sp>
         </mc:Choice>
-        <mc:Fallback>
+        <mc:Fallback xmlns="">
           <p:sp>
             <p:nvSpPr>
               <p:cNvPr id="3" name="Content Placeholder 2"/>
@@ -10969,16 +11062,15 @@
           </p:cNvPicPr>
           <p:nvPr/>
         </p:nvPicPr>
-        <p:blipFill>
+        <p:blipFill rotWithShape="1">
           <a:blip r:embed="rId4"/>
-          <a:stretch>
-            <a:fillRect/>
-          </a:stretch>
+          <a:srcRect l="2256" t="5637"/>
+          <a:stretch/>
         </p:blipFill>
         <p:spPr>
           <a:xfrm>
-            <a:off x="2438400" y="2114036"/>
-            <a:ext cx="6525536" cy="3677163"/>
+            <a:off x="2362200" y="2267898"/>
+            <a:ext cx="6601736" cy="3591427"/>
           </a:xfrm>
           <a:prstGeom prst="rect">
             <a:avLst/>
@@ -11050,8 +11142,8 @@
           </a:p>
         </p:txBody>
       </p:sp>
-      <mc:AlternateContent xmlns:mc="http://schemas.openxmlformats.org/markup-compatibility/2006">
-        <mc:Choice xmlns:a14="http://schemas.microsoft.com/office/drawing/2010/main" Requires="a14">
+      <mc:AlternateContent xmlns:mc="http://schemas.openxmlformats.org/markup-compatibility/2006" xmlns:a14="http://schemas.microsoft.com/office/drawing/2010/main">
+        <mc:Choice Requires="a14">
           <p:sp>
             <p:nvSpPr>
               <p:cNvPr id="3" name="Content Placeholder 2"/>
@@ -11606,7 +11698,7 @@
             </p:txBody>
           </p:sp>
         </mc:Choice>
-        <mc:Fallback>
+        <mc:Fallback xmlns="">
           <p:sp>
             <p:nvSpPr>
               <p:cNvPr id="3" name="Content Placeholder 2"/>
@@ -11700,665 +11792,6 @@
               <a:rPr lang="en-US" sz="3600" dirty="0">
                 <a:cs typeface="Times New Roman" panose="02020603050405020304" pitchFamily="18" charset="0"/>
               </a:rPr>
-              <a:t>Working Example: Organ Donation</a:t>
-            </a:r>
-            <a:endParaRPr lang="en-US" sz="3600" dirty="0">
-              <a:latin typeface="Times New Roman" panose="02020603050405020304" pitchFamily="18" charset="0"/>
-              <a:cs typeface="Times New Roman" panose="02020603050405020304" pitchFamily="18" charset="0"/>
-            </a:endParaRPr>
-          </a:p>
-        </p:txBody>
-      </p:sp>
-      <mc:AlternateContent xmlns:mc="http://schemas.openxmlformats.org/markup-compatibility/2006">
-        <mc:Choice xmlns:a14="http://schemas.microsoft.com/office/drawing/2010/main" Requires="a14">
-          <p:sp>
-            <p:nvSpPr>
-              <p:cNvPr id="3" name="Content Placeholder 2"/>
-              <p:cNvSpPr>
-                <a:spLocks noGrp="1"/>
-              </p:cNvSpPr>
-              <p:nvPr>
-                <p:ph idx="1"/>
-              </p:nvPr>
-            </p:nvSpPr>
-            <p:spPr>
-              <a:xfrm>
-                <a:off x="1219199" y="1066801"/>
-                <a:ext cx="9405791" cy="5141388"/>
-              </a:xfrm>
-            </p:spPr>
-            <p:txBody>
-              <a:bodyPr>
-                <a:noAutofit/>
-              </a:bodyPr>
-              <a:lstStyle/>
-              <a:p>
-                <a:r>
-                  <a:rPr lang="en-US" sz="2400" dirty="0">
-                    <a:cs typeface="Times New Roman" panose="02020603050405020304" pitchFamily="18" charset="0"/>
-                  </a:rPr>
-                  <a:t>What could be wrong with the interrupted time series picture? </a:t>
-                </a:r>
-              </a:p>
-              <a:p>
-                <a:r>
-                  <a:rPr lang="en-US" sz="2400" dirty="0">
-                    <a:cs typeface="Times New Roman" panose="02020603050405020304" pitchFamily="18" charset="0"/>
-                  </a:rPr>
-                  <a:t>What is happening in other states?</a:t>
-                </a:r>
-              </a:p>
-              <a:p>
-                <a:endParaRPr lang="en-US" sz="2400" dirty="0">
-                  <a:cs typeface="Times New Roman" panose="02020603050405020304" pitchFamily="18" charset="0"/>
-                </a:endParaRPr>
-              </a:p>
-              <a:p>
-                <a:pPr marL="0" indent="0">
-                  <a:buNone/>
-                </a:pPr>
-                <a:r>
-                  <a:rPr lang="en-US" sz="2400" b="1" dirty="0">
-                    <a:solidFill>
-                      <a:schemeClr val="accent2">
-                        <a:lumMod val="75000"/>
-                      </a:schemeClr>
-                    </a:solidFill>
-                    <a:cs typeface="Times New Roman" panose="02020603050405020304" pitchFamily="18" charset="0"/>
-                  </a:rPr>
-                  <a:t>The 2x2 DID estimator can be written as</a:t>
-                </a:r>
-              </a:p>
-              <a:p>
-                <a:pPr marL="0" indent="0">
-                  <a:buNone/>
-                </a:pPr>
-                <a14:m>
-                  <m:oMathPara xmlns:m="http://schemas.openxmlformats.org/officeDocument/2006/math">
-                    <m:oMathParaPr>
-                      <m:jc m:val="centerGroup"/>
-                    </m:oMathParaPr>
-                    <m:oMath xmlns:m="http://schemas.openxmlformats.org/officeDocument/2006/math">
-                      <m:sSup>
-                        <m:sSupPr>
-                          <m:ctrlPr>
-                            <a:rPr lang="en-US" sz="2400" b="0" i="1" dirty="0" smtClean="0">
-                              <a:latin typeface="Cambria Math" panose="02040503050406030204" pitchFamily="18" charset="0"/>
-                              <a:cs typeface="Times New Roman" panose="02020603050405020304" pitchFamily="18" charset="0"/>
-                            </a:rPr>
-                          </m:ctrlPr>
-                        </m:sSupPr>
-                        <m:e>
-                          <m:acc>
-                            <m:accPr>
-                              <m:chr m:val="̂"/>
-                              <m:ctrlPr>
-                                <a:rPr lang="en-US" sz="2400" b="0" i="1" smtClean="0">
-                                  <a:latin typeface="Cambria Math" panose="02040503050406030204" pitchFamily="18" charset="0"/>
-                                  <a:cs typeface="Times New Roman" panose="02020603050405020304" pitchFamily="18" charset="0"/>
-                                </a:rPr>
-                              </m:ctrlPr>
-                            </m:accPr>
-                            <m:e>
-                              <m:r>
-                                <a:rPr lang="en-US" sz="2400" b="0" i="1" smtClean="0">
-                                  <a:latin typeface="Cambria Math" panose="02040503050406030204" pitchFamily="18" charset="0"/>
-                                  <a:cs typeface="Times New Roman" panose="02020603050405020304" pitchFamily="18" charset="0"/>
-                                </a:rPr>
-                                <m:t>𝛿</m:t>
-                              </m:r>
-                            </m:e>
-                          </m:acc>
-                        </m:e>
-                        <m:sup>
-                          <m:r>
-                            <a:rPr lang="en-US" sz="2400" b="0" i="1" dirty="0" smtClean="0">
-                              <a:latin typeface="Cambria Math" panose="02040503050406030204" pitchFamily="18" charset="0"/>
-                              <a:cs typeface="Times New Roman" panose="02020603050405020304" pitchFamily="18" charset="0"/>
-                            </a:rPr>
-                            <m:t>2</m:t>
-                          </m:r>
-                          <m:r>
-                            <a:rPr lang="en-US" sz="2400" b="0" i="1" dirty="0" smtClean="0">
-                              <a:latin typeface="Cambria Math" panose="02040503050406030204" pitchFamily="18" charset="0"/>
-                              <a:cs typeface="Times New Roman" panose="02020603050405020304" pitchFamily="18" charset="0"/>
-                            </a:rPr>
-                            <m:t>𝑥</m:t>
-                          </m:r>
-                          <m:r>
-                            <a:rPr lang="en-US" sz="2400" b="0" i="1" dirty="0" smtClean="0">
-                              <a:latin typeface="Cambria Math" panose="02040503050406030204" pitchFamily="18" charset="0"/>
-                              <a:cs typeface="Times New Roman" panose="02020603050405020304" pitchFamily="18" charset="0"/>
-                            </a:rPr>
-                            <m:t>2</m:t>
-                          </m:r>
-                        </m:sup>
-                      </m:sSup>
-                      <m:r>
-                        <a:rPr lang="en-US" sz="2400" b="0" i="1" dirty="0" smtClean="0">
-                          <a:latin typeface="Cambria Math" panose="02040503050406030204" pitchFamily="18" charset="0"/>
-                          <a:cs typeface="Times New Roman" panose="02020603050405020304" pitchFamily="18" charset="0"/>
-                        </a:rPr>
-                        <m:t>=</m:t>
-                      </m:r>
-                      <m:d>
-                        <m:dPr>
-                          <m:ctrlPr>
-                            <a:rPr lang="en-US" sz="2400" b="0" i="1" dirty="0" smtClean="0">
-                              <a:latin typeface="Cambria Math" panose="02040503050406030204" pitchFamily="18" charset="0"/>
-                              <a:cs typeface="Times New Roman" panose="02020603050405020304" pitchFamily="18" charset="0"/>
-                            </a:rPr>
-                          </m:ctrlPr>
-                        </m:dPr>
-                        <m:e>
-                          <m:sSup>
-                            <m:sSupPr>
-                              <m:ctrlPr>
-                                <a:rPr lang="en-US" sz="2400" b="0" i="1" dirty="0" smtClean="0">
-                                  <a:latin typeface="Cambria Math" panose="02040503050406030204" pitchFamily="18" charset="0"/>
-                                  <a:cs typeface="Times New Roman" panose="02020603050405020304" pitchFamily="18" charset="0"/>
-                                </a:rPr>
-                              </m:ctrlPr>
-                            </m:sSupPr>
-                            <m:e>
-                              <m:acc>
-                                <m:accPr>
-                                  <m:chr m:val="̅"/>
-                                  <m:ctrlPr>
-                                    <a:rPr lang="en-US" sz="2400" b="0" i="1" dirty="0" smtClean="0">
-                                      <a:latin typeface="Cambria Math" panose="02040503050406030204" pitchFamily="18" charset="0"/>
-                                      <a:cs typeface="Times New Roman" panose="02020603050405020304" pitchFamily="18" charset="0"/>
-                                    </a:rPr>
-                                  </m:ctrlPr>
-                                </m:accPr>
-                                <m:e>
-                                  <m:sSub>
-                                    <m:sSubPr>
-                                      <m:ctrlPr>
-                                        <a:rPr lang="en-US" sz="2400" b="0" i="1" dirty="0" smtClean="0">
-                                          <a:latin typeface="Cambria Math" panose="02040503050406030204" pitchFamily="18" charset="0"/>
-                                          <a:cs typeface="Times New Roman" panose="02020603050405020304" pitchFamily="18" charset="0"/>
-                                        </a:rPr>
-                                      </m:ctrlPr>
-                                    </m:sSubPr>
-                                    <m:e>
-                                      <m:r>
-                                        <a:rPr lang="en-US" sz="2400" b="0" i="1" dirty="0" smtClean="0">
-                                          <a:latin typeface="Cambria Math" panose="02040503050406030204" pitchFamily="18" charset="0"/>
-                                          <a:cs typeface="Times New Roman" panose="02020603050405020304" pitchFamily="18" charset="0"/>
-                                        </a:rPr>
-                                        <m:t>𝑦</m:t>
-                                      </m:r>
-                                    </m:e>
-                                    <m:sub>
-                                      <m:r>
-                                        <a:rPr lang="en-US" sz="2400" b="0" i="1" dirty="0" smtClean="0">
-                                          <a:latin typeface="Cambria Math" panose="02040503050406030204" pitchFamily="18" charset="0"/>
-                                          <a:cs typeface="Times New Roman" panose="02020603050405020304" pitchFamily="18" charset="0"/>
-                                        </a:rPr>
-                                        <m:t>𝑇</m:t>
-                                      </m:r>
-                                    </m:sub>
-                                  </m:sSub>
-                                </m:e>
-                              </m:acc>
-                            </m:e>
-                            <m:sup>
-                              <m:r>
-                                <a:rPr lang="en-US" sz="2400" b="0" i="1" dirty="0" smtClean="0">
-                                  <a:latin typeface="Cambria Math" panose="02040503050406030204" pitchFamily="18" charset="0"/>
-                                  <a:cs typeface="Times New Roman" panose="02020603050405020304" pitchFamily="18" charset="0"/>
-                                </a:rPr>
-                                <m:t>𝑝𝑜𝑠𝑡</m:t>
-                              </m:r>
-                              <m:d>
-                                <m:dPr>
-                                  <m:ctrlPr>
-                                    <a:rPr lang="en-US" sz="2400" b="0" i="1" dirty="0" smtClean="0">
-                                      <a:latin typeface="Cambria Math" panose="02040503050406030204" pitchFamily="18" charset="0"/>
-                                      <a:cs typeface="Times New Roman" panose="02020603050405020304" pitchFamily="18" charset="0"/>
-                                    </a:rPr>
-                                  </m:ctrlPr>
-                                </m:dPr>
-                                <m:e>
-                                  <m:r>
-                                    <a:rPr lang="en-US" sz="2400" b="0" i="1" dirty="0" smtClean="0">
-                                      <a:latin typeface="Cambria Math" panose="02040503050406030204" pitchFamily="18" charset="0"/>
-                                      <a:cs typeface="Times New Roman" panose="02020603050405020304" pitchFamily="18" charset="0"/>
-                                    </a:rPr>
-                                    <m:t>𝑇</m:t>
-                                  </m:r>
-                                </m:e>
-                              </m:d>
-                            </m:sup>
-                          </m:sSup>
-                          <m:r>
-                            <a:rPr lang="en-US" sz="2400" b="0" i="1" dirty="0" smtClean="0">
-                              <a:latin typeface="Cambria Math" panose="02040503050406030204" pitchFamily="18" charset="0"/>
-                              <a:cs typeface="Times New Roman" panose="02020603050405020304" pitchFamily="18" charset="0"/>
-                            </a:rPr>
-                            <m:t>−</m:t>
-                          </m:r>
-                          <m:sSup>
-                            <m:sSupPr>
-                              <m:ctrlPr>
-                                <a:rPr lang="en-US" sz="2400" b="0" i="1" dirty="0" smtClean="0">
-                                  <a:latin typeface="Cambria Math" panose="02040503050406030204" pitchFamily="18" charset="0"/>
-                                  <a:cs typeface="Times New Roman" panose="02020603050405020304" pitchFamily="18" charset="0"/>
-                                </a:rPr>
-                              </m:ctrlPr>
-                            </m:sSupPr>
-                            <m:e>
-                              <m:acc>
-                                <m:accPr>
-                                  <m:chr m:val="̅"/>
-                                  <m:ctrlPr>
-                                    <a:rPr lang="en-US" sz="2400" b="0" i="1" dirty="0" smtClean="0">
-                                      <a:latin typeface="Cambria Math" panose="02040503050406030204" pitchFamily="18" charset="0"/>
-                                      <a:cs typeface="Times New Roman" panose="02020603050405020304" pitchFamily="18" charset="0"/>
-                                    </a:rPr>
-                                  </m:ctrlPr>
-                                </m:accPr>
-                                <m:e>
-                                  <m:sSub>
-                                    <m:sSubPr>
-                                      <m:ctrlPr>
-                                        <a:rPr lang="en-US" sz="2400" b="0" i="1" dirty="0" smtClean="0">
-                                          <a:latin typeface="Cambria Math" panose="02040503050406030204" pitchFamily="18" charset="0"/>
-                                          <a:cs typeface="Times New Roman" panose="02020603050405020304" pitchFamily="18" charset="0"/>
-                                        </a:rPr>
-                                      </m:ctrlPr>
-                                    </m:sSubPr>
-                                    <m:e>
-                                      <m:r>
-                                        <a:rPr lang="en-US" sz="2400" b="0" i="1" dirty="0" smtClean="0">
-                                          <a:latin typeface="Cambria Math" panose="02040503050406030204" pitchFamily="18" charset="0"/>
-                                          <a:cs typeface="Times New Roman" panose="02020603050405020304" pitchFamily="18" charset="0"/>
-                                        </a:rPr>
-                                        <m:t>𝑦</m:t>
-                                      </m:r>
-                                    </m:e>
-                                    <m:sub>
-                                      <m:r>
-                                        <a:rPr lang="en-US" sz="2400" b="0" i="1" dirty="0" smtClean="0">
-                                          <a:latin typeface="Cambria Math" panose="02040503050406030204" pitchFamily="18" charset="0"/>
-                                          <a:cs typeface="Times New Roman" panose="02020603050405020304" pitchFamily="18" charset="0"/>
-                                        </a:rPr>
-                                        <m:t>𝑇</m:t>
-                                      </m:r>
-                                    </m:sub>
-                                  </m:sSub>
-                                </m:e>
-                              </m:acc>
-                            </m:e>
-                            <m:sup>
-                              <m:r>
-                                <a:rPr lang="en-US" sz="2400" b="0" i="1" dirty="0" smtClean="0">
-                                  <a:latin typeface="Cambria Math" panose="02040503050406030204" pitchFamily="18" charset="0"/>
-                                  <a:cs typeface="Times New Roman" panose="02020603050405020304" pitchFamily="18" charset="0"/>
-                                </a:rPr>
-                                <m:t>𝑝𝑟𝑒</m:t>
-                              </m:r>
-                              <m:d>
-                                <m:dPr>
-                                  <m:ctrlPr>
-                                    <a:rPr lang="en-US" sz="2400" b="0" i="1" dirty="0" smtClean="0">
-                                      <a:latin typeface="Cambria Math" panose="02040503050406030204" pitchFamily="18" charset="0"/>
-                                      <a:cs typeface="Times New Roman" panose="02020603050405020304" pitchFamily="18" charset="0"/>
-                                    </a:rPr>
-                                  </m:ctrlPr>
-                                </m:dPr>
-                                <m:e>
-                                  <m:r>
-                                    <a:rPr lang="en-US" sz="2400" b="0" i="1" dirty="0" smtClean="0">
-                                      <a:latin typeface="Cambria Math" panose="02040503050406030204" pitchFamily="18" charset="0"/>
-                                      <a:cs typeface="Times New Roman" panose="02020603050405020304" pitchFamily="18" charset="0"/>
-                                    </a:rPr>
-                                    <m:t>𝑇</m:t>
-                                  </m:r>
-                                </m:e>
-                              </m:d>
-                            </m:sup>
-                          </m:sSup>
-                        </m:e>
-                      </m:d>
-                      <m:r>
-                        <a:rPr lang="en-US" sz="2400" b="0" i="1" dirty="0" smtClean="0">
-                          <a:latin typeface="Cambria Math" panose="02040503050406030204" pitchFamily="18" charset="0"/>
-                          <a:cs typeface="Times New Roman" panose="02020603050405020304" pitchFamily="18" charset="0"/>
-                        </a:rPr>
-                        <m:t>−</m:t>
-                      </m:r>
-                      <m:d>
-                        <m:dPr>
-                          <m:ctrlPr>
-                            <a:rPr lang="en-US" sz="2400" b="0" i="1" dirty="0" smtClean="0">
-                              <a:latin typeface="Cambria Math" panose="02040503050406030204" pitchFamily="18" charset="0"/>
-                              <a:cs typeface="Times New Roman" panose="02020603050405020304" pitchFamily="18" charset="0"/>
-                            </a:rPr>
-                          </m:ctrlPr>
-                        </m:dPr>
-                        <m:e>
-                          <m:sSup>
-                            <m:sSupPr>
-                              <m:ctrlPr>
-                                <a:rPr lang="en-US" sz="2400" b="0" i="1" dirty="0" smtClean="0">
-                                  <a:latin typeface="Cambria Math" panose="02040503050406030204" pitchFamily="18" charset="0"/>
-                                  <a:cs typeface="Times New Roman" panose="02020603050405020304" pitchFamily="18" charset="0"/>
-                                </a:rPr>
-                              </m:ctrlPr>
-                            </m:sSupPr>
-                            <m:e>
-                              <m:acc>
-                                <m:accPr>
-                                  <m:chr m:val="̅"/>
-                                  <m:ctrlPr>
-                                    <a:rPr lang="en-US" sz="2400" b="0" i="1" dirty="0" smtClean="0">
-                                      <a:latin typeface="Cambria Math" panose="02040503050406030204" pitchFamily="18" charset="0"/>
-                                      <a:cs typeface="Times New Roman" panose="02020603050405020304" pitchFamily="18" charset="0"/>
-                                    </a:rPr>
-                                  </m:ctrlPr>
-                                </m:accPr>
-                                <m:e>
-                                  <m:sSub>
-                                    <m:sSubPr>
-                                      <m:ctrlPr>
-                                        <a:rPr lang="en-US" sz="2400" b="0" i="1" dirty="0" smtClean="0">
-                                          <a:latin typeface="Cambria Math" panose="02040503050406030204" pitchFamily="18" charset="0"/>
-                                          <a:cs typeface="Times New Roman" panose="02020603050405020304" pitchFamily="18" charset="0"/>
-                                        </a:rPr>
-                                      </m:ctrlPr>
-                                    </m:sSubPr>
-                                    <m:e>
-                                      <m:r>
-                                        <a:rPr lang="en-US" sz="2400" b="0" i="1" dirty="0" smtClean="0">
-                                          <a:latin typeface="Cambria Math" panose="02040503050406030204" pitchFamily="18" charset="0"/>
-                                          <a:cs typeface="Times New Roman" panose="02020603050405020304" pitchFamily="18" charset="0"/>
-                                        </a:rPr>
-                                        <m:t>𝑦</m:t>
-                                      </m:r>
-                                    </m:e>
-                                    <m:sub>
-                                      <m:r>
-                                        <a:rPr lang="en-US" sz="2400" b="0" i="1" dirty="0" smtClean="0">
-                                          <a:latin typeface="Cambria Math" panose="02040503050406030204" pitchFamily="18" charset="0"/>
-                                          <a:cs typeface="Times New Roman" panose="02020603050405020304" pitchFamily="18" charset="0"/>
-                                        </a:rPr>
-                                        <m:t>𝐶</m:t>
-                                      </m:r>
-                                    </m:sub>
-                                  </m:sSub>
-                                </m:e>
-                              </m:acc>
-                            </m:e>
-                            <m:sup>
-                              <m:r>
-                                <a:rPr lang="en-US" sz="2400" b="0" i="1" dirty="0" smtClean="0">
-                                  <a:latin typeface="Cambria Math" panose="02040503050406030204" pitchFamily="18" charset="0"/>
-                                  <a:cs typeface="Times New Roman" panose="02020603050405020304" pitchFamily="18" charset="0"/>
-                                </a:rPr>
-                                <m:t>𝑝𝑜𝑠𝑡</m:t>
-                              </m:r>
-                              <m:d>
-                                <m:dPr>
-                                  <m:ctrlPr>
-                                    <a:rPr lang="en-US" sz="2400" b="0" i="1" dirty="0" smtClean="0">
-                                      <a:latin typeface="Cambria Math" panose="02040503050406030204" pitchFamily="18" charset="0"/>
-                                      <a:cs typeface="Times New Roman" panose="02020603050405020304" pitchFamily="18" charset="0"/>
-                                    </a:rPr>
-                                  </m:ctrlPr>
-                                </m:dPr>
-                                <m:e>
-                                  <m:r>
-                                    <a:rPr lang="en-US" sz="2400" b="0" i="1" dirty="0" smtClean="0">
-                                      <a:latin typeface="Cambria Math" panose="02040503050406030204" pitchFamily="18" charset="0"/>
-                                      <a:cs typeface="Times New Roman" panose="02020603050405020304" pitchFamily="18" charset="0"/>
-                                    </a:rPr>
-                                    <m:t>𝑇</m:t>
-                                  </m:r>
-                                </m:e>
-                              </m:d>
-                            </m:sup>
-                          </m:sSup>
-                          <m:r>
-                            <a:rPr lang="en-US" sz="2400" b="0" i="1" dirty="0" smtClean="0">
-                              <a:latin typeface="Cambria Math" panose="02040503050406030204" pitchFamily="18" charset="0"/>
-                              <a:cs typeface="Times New Roman" panose="02020603050405020304" pitchFamily="18" charset="0"/>
-                            </a:rPr>
-                            <m:t>−</m:t>
-                          </m:r>
-                          <m:sSup>
-                            <m:sSupPr>
-                              <m:ctrlPr>
-                                <a:rPr lang="en-US" sz="2400" b="0" i="1" dirty="0" smtClean="0">
-                                  <a:latin typeface="Cambria Math" panose="02040503050406030204" pitchFamily="18" charset="0"/>
-                                  <a:cs typeface="Times New Roman" panose="02020603050405020304" pitchFamily="18" charset="0"/>
-                                </a:rPr>
-                              </m:ctrlPr>
-                            </m:sSupPr>
-                            <m:e>
-                              <m:acc>
-                                <m:accPr>
-                                  <m:chr m:val="̅"/>
-                                  <m:ctrlPr>
-                                    <a:rPr lang="en-US" sz="2400" b="0" i="1" dirty="0" smtClean="0">
-                                      <a:latin typeface="Cambria Math" panose="02040503050406030204" pitchFamily="18" charset="0"/>
-                                      <a:cs typeface="Times New Roman" panose="02020603050405020304" pitchFamily="18" charset="0"/>
-                                    </a:rPr>
-                                  </m:ctrlPr>
-                                </m:accPr>
-                                <m:e>
-                                  <m:sSub>
-                                    <m:sSubPr>
-                                      <m:ctrlPr>
-                                        <a:rPr lang="en-US" sz="2400" b="0" i="1" dirty="0" smtClean="0">
-                                          <a:latin typeface="Cambria Math" panose="02040503050406030204" pitchFamily="18" charset="0"/>
-                                          <a:cs typeface="Times New Roman" panose="02020603050405020304" pitchFamily="18" charset="0"/>
-                                        </a:rPr>
-                                      </m:ctrlPr>
-                                    </m:sSubPr>
-                                    <m:e>
-                                      <m:r>
-                                        <a:rPr lang="en-US" sz="2400" b="0" i="1" dirty="0" smtClean="0">
-                                          <a:latin typeface="Cambria Math" panose="02040503050406030204" pitchFamily="18" charset="0"/>
-                                          <a:cs typeface="Times New Roman" panose="02020603050405020304" pitchFamily="18" charset="0"/>
-                                        </a:rPr>
-                                        <m:t>𝑦</m:t>
-                                      </m:r>
-                                    </m:e>
-                                    <m:sub>
-                                      <m:r>
-                                        <a:rPr lang="en-US" sz="2400" b="0" i="1" dirty="0" smtClean="0">
-                                          <a:latin typeface="Cambria Math" panose="02040503050406030204" pitchFamily="18" charset="0"/>
-                                          <a:cs typeface="Times New Roman" panose="02020603050405020304" pitchFamily="18" charset="0"/>
-                                        </a:rPr>
-                                        <m:t>𝐶</m:t>
-                                      </m:r>
-                                    </m:sub>
-                                  </m:sSub>
-                                </m:e>
-                              </m:acc>
-                            </m:e>
-                            <m:sup>
-                              <m:r>
-                                <a:rPr lang="en-US" sz="2400" b="0" i="1" dirty="0" smtClean="0">
-                                  <a:latin typeface="Cambria Math" panose="02040503050406030204" pitchFamily="18" charset="0"/>
-                                  <a:cs typeface="Times New Roman" panose="02020603050405020304" pitchFamily="18" charset="0"/>
-                                </a:rPr>
-                                <m:t>𝑝𝑟𝑒</m:t>
-                              </m:r>
-                              <m:d>
-                                <m:dPr>
-                                  <m:ctrlPr>
-                                    <a:rPr lang="en-US" sz="2400" b="0" i="1" dirty="0" smtClean="0">
-                                      <a:latin typeface="Cambria Math" panose="02040503050406030204" pitchFamily="18" charset="0"/>
-                                      <a:cs typeface="Times New Roman" panose="02020603050405020304" pitchFamily="18" charset="0"/>
-                                    </a:rPr>
-                                  </m:ctrlPr>
-                                </m:dPr>
-                                <m:e>
-                                  <m:r>
-                                    <a:rPr lang="en-US" sz="2400" b="0" i="1" dirty="0" smtClean="0">
-                                      <a:latin typeface="Cambria Math" panose="02040503050406030204" pitchFamily="18" charset="0"/>
-                                      <a:cs typeface="Times New Roman" panose="02020603050405020304" pitchFamily="18" charset="0"/>
-                                    </a:rPr>
-                                    <m:t>𝑇</m:t>
-                                  </m:r>
-                                </m:e>
-                              </m:d>
-                            </m:sup>
-                          </m:sSup>
-                        </m:e>
-                      </m:d>
-                      <m:r>
-                        <a:rPr lang="en-US" sz="2400" b="0" i="1" dirty="0" smtClean="0">
-                          <a:latin typeface="Cambria Math" panose="02040503050406030204" pitchFamily="18" charset="0"/>
-                          <a:cs typeface="Times New Roman" panose="02020603050405020304" pitchFamily="18" charset="0"/>
-                        </a:rPr>
-                        <m:t>,</m:t>
-                      </m:r>
-                    </m:oMath>
-                  </m:oMathPara>
-                </a14:m>
-                <a:endParaRPr lang="en-US" sz="2400" dirty="0">
-                  <a:cs typeface="Times New Roman" panose="02020603050405020304" pitchFamily="18" charset="0"/>
-                </a:endParaRPr>
-              </a:p>
-              <a:p>
-                <a14:m>
-                  <m:oMath xmlns:m="http://schemas.openxmlformats.org/officeDocument/2006/math">
-                    <m:r>
-                      <a:rPr lang="en-US" sz="2400" b="0" i="1" smtClean="0">
-                        <a:latin typeface="Cambria Math" panose="02040503050406030204" pitchFamily="18" charset="0"/>
-                        <a:cs typeface="Times New Roman" panose="02020603050405020304" pitchFamily="18" charset="0"/>
-                      </a:rPr>
-                      <m:t>𝑇</m:t>
-                    </m:r>
-                  </m:oMath>
-                </a14:m>
-                <a:r>
-                  <a:rPr lang="en-US" sz="2400" dirty="0">
-                    <a:cs typeface="Times New Roman" panose="02020603050405020304" pitchFamily="18" charset="0"/>
-                  </a:rPr>
-                  <a:t> is treated group</a:t>
-                </a:r>
-              </a:p>
-              <a:p>
-                <a14:m>
-                  <m:oMath xmlns:m="http://schemas.openxmlformats.org/officeDocument/2006/math">
-                    <m:r>
-                      <a:rPr lang="en-US" sz="2400" b="0" i="1" smtClean="0">
-                        <a:latin typeface="Cambria Math" panose="02040503050406030204" pitchFamily="18" charset="0"/>
-                        <a:cs typeface="Times New Roman" panose="02020603050405020304" pitchFamily="18" charset="0"/>
-                      </a:rPr>
-                      <m:t>𝐶</m:t>
-                    </m:r>
-                  </m:oMath>
-                </a14:m>
-                <a:r>
-                  <a:rPr lang="en-US" sz="2400" dirty="0">
-                    <a:cs typeface="Times New Roman" panose="02020603050405020304" pitchFamily="18" charset="0"/>
-                  </a:rPr>
-                  <a:t> is untreated/control group </a:t>
-                </a:r>
-              </a:p>
-            </p:txBody>
-          </p:sp>
-        </mc:Choice>
-        <mc:Fallback>
-          <p:sp>
-            <p:nvSpPr>
-              <p:cNvPr id="3" name="Content Placeholder 2"/>
-              <p:cNvSpPr>
-                <a:spLocks noGrp="1" noRot="1" noChangeAspect="1" noMove="1" noResize="1" noEditPoints="1" noAdjustHandles="1" noChangeArrowheads="1" noChangeShapeType="1" noTextEdit="1"/>
-              </p:cNvSpPr>
-              <p:nvPr>
-                <p:ph idx="1"/>
-              </p:nvPr>
-            </p:nvSpPr>
-            <p:spPr>
-              <a:xfrm>
-                <a:off x="1219199" y="1066801"/>
-                <a:ext cx="9405791" cy="5141388"/>
-              </a:xfrm>
-              <a:blipFill>
-                <a:blip r:embed="rId3"/>
-                <a:stretch>
-                  <a:fillRect l="-972" t="-1305"/>
-                </a:stretch>
-              </a:blipFill>
-            </p:spPr>
-            <p:txBody>
-              <a:bodyPr/>
-              <a:lstStyle/>
-              <a:p>
-                <a:r>
-                  <a:rPr lang="en-US">
-                    <a:noFill/>
-                  </a:rPr>
-                  <a:t> </a:t>
-                </a:r>
-              </a:p>
-            </p:txBody>
-          </p:sp>
-        </mc:Fallback>
-      </mc:AlternateContent>
-    </p:spTree>
-    <p:extLst>
-      <p:ext uri="{BB962C8B-B14F-4D97-AF65-F5344CB8AC3E}">
-        <p14:creationId xmlns:p14="http://schemas.microsoft.com/office/powerpoint/2010/main" val="1324589820"/>
-      </p:ext>
-    </p:extLst>
-  </p:cSld>
-  <p:clrMapOvr>
-    <a:masterClrMapping/>
-  </p:clrMapOvr>
-</p:sld>
-</file>
-
-<file path=ppt/slides/slide26.xml><?xml version="1.0" encoding="utf-8"?>
-<p:sld xmlns:a="http://schemas.openxmlformats.org/drawingml/2006/main" xmlns:r="http://schemas.openxmlformats.org/officeDocument/2006/relationships" xmlns:p="http://schemas.openxmlformats.org/presentationml/2006/main">
-  <p:cSld>
-    <p:spTree>
-      <p:nvGrpSpPr>
-        <p:cNvPr id="1" name=""/>
-        <p:cNvGrpSpPr/>
-        <p:nvPr/>
-      </p:nvGrpSpPr>
-      <p:grpSpPr>
-        <a:xfrm>
-          <a:off x="0" y="0"/>
-          <a:ext cx="0" cy="0"/>
-          <a:chOff x="0" y="0"/>
-          <a:chExt cx="0" cy="0"/>
-        </a:xfrm>
-      </p:grpSpPr>
-      <p:sp>
-        <p:nvSpPr>
-          <p:cNvPr id="2" name="Title 1"/>
-          <p:cNvSpPr>
-            <a:spLocks noGrp="1"/>
-          </p:cNvSpPr>
-          <p:nvPr>
-            <p:ph type="title"/>
-          </p:nvPr>
-        </p:nvSpPr>
-        <p:spPr>
-          <a:xfrm>
-            <a:off x="609600" y="337392"/>
-            <a:ext cx="10439400" cy="624840"/>
-          </a:xfrm>
-        </p:spPr>
-        <p:txBody>
-          <a:bodyPr>
-            <a:noAutofit/>
-          </a:bodyPr>
-          <a:lstStyle/>
-          <a:p>
-            <a:r>
-              <a:rPr lang="en-US" sz="3600" dirty="0">
-                <a:cs typeface="Times New Roman" panose="02020603050405020304" pitchFamily="18" charset="0"/>
-              </a:rPr>
               <a:t>Assumptions Needed for DID</a:t>
             </a:r>
             <a:endParaRPr lang="en-US" sz="3600" dirty="0">
@@ -12496,7 +11929,7 @@
 </p:sld>
 </file>
 
-<file path=ppt/slides/slide27.xml><?xml version="1.0" encoding="utf-8"?>
+<file path=ppt/slides/slide26.xml><?xml version="1.0" encoding="utf-8"?>
 <p:sld xmlns:a="http://schemas.openxmlformats.org/drawingml/2006/main" xmlns:r="http://schemas.openxmlformats.org/officeDocument/2006/relationships" xmlns:p="http://schemas.openxmlformats.org/presentationml/2006/main">
   <p:cSld>
     <p:spTree>
@@ -12590,7 +12023,7 @@
 </p:sld>
 </file>
 
-<file path=ppt/slides/slide28.xml><?xml version="1.0" encoding="utf-8"?>
+<file path=ppt/slides/slide27.xml><?xml version="1.0" encoding="utf-8"?>
 <p:sld xmlns:a="http://schemas.openxmlformats.org/drawingml/2006/main" xmlns:r="http://schemas.openxmlformats.org/officeDocument/2006/relationships" xmlns:p="http://schemas.openxmlformats.org/presentationml/2006/main">
   <p:cSld>
     <p:spTree>
@@ -12633,7 +12066,19 @@
               <a:rPr lang="en-US" sz="3600" dirty="0">
                 <a:cs typeface="Times New Roman" panose="02020603050405020304" pitchFamily="18" charset="0"/>
               </a:rPr>
-              <a:t>Assumptions Needed for DID</a:t>
+              <a:t>Simple </a:t>
+            </a:r>
+            <a:r>
+              <a:rPr lang="en-US" sz="3600" dirty="0" err="1">
+                <a:cs typeface="Times New Roman" panose="02020603050405020304" pitchFamily="18" charset="0"/>
+              </a:rPr>
+              <a:t>DiD</a:t>
+            </a:r>
+            <a:r>
+              <a:rPr lang="en-US" sz="3600" dirty="0">
+                <a:cs typeface="Times New Roman" panose="02020603050405020304" pitchFamily="18" charset="0"/>
+              </a:rPr>
+              <a:t> Calculation</a:t>
             </a:r>
             <a:endParaRPr lang="en-US" sz="3600" dirty="0">
               <a:latin typeface="Times New Roman" panose="02020603050405020304" pitchFamily="18" charset="0"/>
@@ -12663,44 +12108,6 @@
             <a:noAutofit/>
           </a:bodyPr>
           <a:lstStyle/>
-          <a:p>
-            <a:r>
-              <a:rPr lang="en-US" sz="2400" dirty="0">
-                <a:cs typeface="Times New Roman" panose="02020603050405020304" pitchFamily="18" charset="0"/>
-              </a:rPr>
-              <a:t>DID rests on the comparison of two groups—what do we need for that comparison to be valid? </a:t>
-            </a:r>
-          </a:p>
-          <a:p>
-            <a:pPr lvl="1"/>
-            <a:r>
-              <a:rPr lang="en-US" sz="2400" dirty="0">
-                <a:cs typeface="Times New Roman" panose="02020603050405020304" pitchFamily="18" charset="0"/>
-              </a:rPr>
-              <a:t>In general, groups need to be similar</a:t>
-            </a:r>
-          </a:p>
-          <a:p>
-            <a:pPr lvl="1"/>
-            <a:r>
-              <a:rPr lang="en-US" sz="2400" dirty="0">
-                <a:cs typeface="Times New Roman" panose="02020603050405020304" pitchFamily="18" charset="0"/>
-              </a:rPr>
-              <a:t>Of critical importance to DID is the </a:t>
-            </a:r>
-            <a:r>
-              <a:rPr lang="en-US" sz="2400" b="1" dirty="0">
-                <a:cs typeface="Times New Roman" panose="02020603050405020304" pitchFamily="18" charset="0"/>
-              </a:rPr>
-              <a:t>parallel trends </a:t>
-            </a:r>
-            <a:r>
-              <a:rPr lang="en-US" sz="2400" dirty="0">
-                <a:cs typeface="Times New Roman" panose="02020603050405020304" pitchFamily="18" charset="0"/>
-              </a:rPr>
-              <a:t>assumption: </a:t>
-            </a:r>
-          </a:p>
           <a:p>
             <a:endParaRPr lang="en-US" sz="2400" dirty="0">
               <a:cs typeface="Times New Roman" panose="02020603050405020304" pitchFamily="18" charset="0"/>
@@ -12723,13 +12130,13 @@
           <p:nvPr>
             <p:extLst>
               <p:ext uri="{D42A27DB-BD31-4B8C-83A1-F6EECF244321}">
-                <p14:modId xmlns:p14="http://schemas.microsoft.com/office/powerpoint/2010/main" val="1906605459"/>
+                <p14:modId xmlns:p14="http://schemas.microsoft.com/office/powerpoint/2010/main" val="1824150119"/>
               </p:ext>
             </p:extLst>
           </p:nvPr>
         </p:nvGraphicFramePr>
         <p:xfrm>
-          <a:off x="1447800" y="3810000"/>
+          <a:off x="1447800" y="1145049"/>
           <a:ext cx="8127999" cy="1371600"/>
         </p:xfrm>
         <a:graphic>
@@ -12918,7 +12325,7 @@
         </p:nvSpPr>
         <p:spPr>
           <a:xfrm rot="10800000" flipH="1">
-            <a:off x="4343400" y="5247012"/>
+            <a:off x="4474294" y="2654739"/>
             <a:ext cx="2895600" cy="459312"/>
           </a:xfrm>
           <a:prstGeom prst="uturnArrow">
@@ -12984,7 +12391,7 @@
         </p:nvSpPr>
         <p:spPr>
           <a:xfrm>
-            <a:off x="2592368" y="5828655"/>
+            <a:off x="2592368" y="3308271"/>
             <a:ext cx="6659452" cy="461665"/>
           </a:xfrm>
           <a:prstGeom prst="rect">
@@ -13018,7 +12425,7 @@
 </p:sld>
 </file>
 
-<file path=ppt/slides/slide29.xml><?xml version="1.0" encoding="utf-8"?>
+<file path=ppt/slides/slide28.xml><?xml version="1.0" encoding="utf-8"?>
 <p:sld xmlns:a="http://schemas.openxmlformats.org/drawingml/2006/main" xmlns:r="http://schemas.openxmlformats.org/officeDocument/2006/relationships" xmlns:p="http://schemas.openxmlformats.org/presentationml/2006/main">
   <p:cSld>
     <p:spTree>
@@ -13061,7 +12468,19 @@
               <a:rPr lang="en-US" sz="3600" dirty="0">
                 <a:cs typeface="Times New Roman" panose="02020603050405020304" pitchFamily="18" charset="0"/>
               </a:rPr>
-              <a:t>Assumptions Needed for DID</a:t>
+              <a:t>Simple </a:t>
+            </a:r>
+            <a:r>
+              <a:rPr lang="en-US" sz="3600" dirty="0" err="1">
+                <a:cs typeface="Times New Roman" panose="02020603050405020304" pitchFamily="18" charset="0"/>
+              </a:rPr>
+              <a:t>DiD</a:t>
+            </a:r>
+            <a:r>
+              <a:rPr lang="en-US" sz="3600" dirty="0">
+                <a:cs typeface="Times New Roman" panose="02020603050405020304" pitchFamily="18" charset="0"/>
+              </a:rPr>
+              <a:t> Calculation</a:t>
             </a:r>
             <a:endParaRPr lang="en-US" sz="3600" dirty="0">
               <a:latin typeface="Times New Roman" panose="02020603050405020304" pitchFamily="18" charset="0"/>
@@ -13091,44 +12510,6 @@
             <a:noAutofit/>
           </a:bodyPr>
           <a:lstStyle/>
-          <a:p>
-            <a:r>
-              <a:rPr lang="en-US" sz="2400" dirty="0">
-                <a:cs typeface="Times New Roman" panose="02020603050405020304" pitchFamily="18" charset="0"/>
-              </a:rPr>
-              <a:t>DID rests on the comparison of two groups—what do we need for that comparison to be valid? </a:t>
-            </a:r>
-          </a:p>
-          <a:p>
-            <a:pPr lvl="1"/>
-            <a:r>
-              <a:rPr lang="en-US" sz="2400" dirty="0">
-                <a:cs typeface="Times New Roman" panose="02020603050405020304" pitchFamily="18" charset="0"/>
-              </a:rPr>
-              <a:t>In general, groups need to be similar</a:t>
-            </a:r>
-          </a:p>
-          <a:p>
-            <a:pPr lvl="1"/>
-            <a:r>
-              <a:rPr lang="en-US" sz="2400" dirty="0">
-                <a:cs typeface="Times New Roman" panose="02020603050405020304" pitchFamily="18" charset="0"/>
-              </a:rPr>
-              <a:t>Of critical importance to DID is the </a:t>
-            </a:r>
-            <a:r>
-              <a:rPr lang="en-US" sz="2400" b="1" dirty="0">
-                <a:cs typeface="Times New Roman" panose="02020603050405020304" pitchFamily="18" charset="0"/>
-              </a:rPr>
-              <a:t>parallel trends </a:t>
-            </a:r>
-            <a:r>
-              <a:rPr lang="en-US" sz="2400" dirty="0">
-                <a:cs typeface="Times New Roman" panose="02020603050405020304" pitchFamily="18" charset="0"/>
-              </a:rPr>
-              <a:t>assumption: </a:t>
-            </a:r>
-          </a:p>
           <a:p>
             <a:endParaRPr lang="en-US" sz="2400" dirty="0">
               <a:cs typeface="Times New Roman" panose="02020603050405020304" pitchFamily="18" charset="0"/>
@@ -13156,13 +12537,13 @@
           <p:nvPr>
             <p:extLst>
               <p:ext uri="{D42A27DB-BD31-4B8C-83A1-F6EECF244321}">
-                <p14:modId xmlns:p14="http://schemas.microsoft.com/office/powerpoint/2010/main" val="3740057834"/>
+                <p14:modId xmlns:p14="http://schemas.microsoft.com/office/powerpoint/2010/main" val="2010604349"/>
               </p:ext>
             </p:extLst>
           </p:nvPr>
         </p:nvGraphicFramePr>
         <p:xfrm>
-          <a:off x="1447800" y="3996406"/>
+          <a:off x="1447800" y="2167606"/>
           <a:ext cx="8127999" cy="1371600"/>
         </p:xfrm>
         <a:graphic>
@@ -13351,7 +12732,7 @@
         </p:nvSpPr>
         <p:spPr>
           <a:xfrm rot="10800000" flipH="1">
-            <a:off x="4343400" y="5432538"/>
+            <a:off x="4343400" y="3603738"/>
             <a:ext cx="2895600" cy="459312"/>
           </a:xfrm>
           <a:prstGeom prst="uturnArrow">
@@ -13417,7 +12798,7 @@
         </p:nvSpPr>
         <p:spPr>
           <a:xfrm>
-            <a:off x="3048000" y="5885273"/>
+            <a:off x="3048000" y="4056473"/>
             <a:ext cx="6659452" cy="461665"/>
           </a:xfrm>
           <a:prstGeom prst="rect">
@@ -13452,7 +12833,7 @@
         </p:nvSpPr>
         <p:spPr>
           <a:xfrm>
-            <a:off x="4373287" y="3375138"/>
+            <a:off x="4373287" y="1546338"/>
             <a:ext cx="2865713" cy="459312"/>
           </a:xfrm>
           <a:prstGeom prst="uturnArrow">
@@ -13518,7 +12899,7 @@
         </p:nvSpPr>
         <p:spPr>
           <a:xfrm>
-            <a:off x="3886200" y="2895600"/>
+            <a:off x="3886200" y="1066800"/>
             <a:ext cx="5073825" cy="461665"/>
           </a:xfrm>
           <a:prstGeom prst="rect">
@@ -13552,7 +12933,7 @@
 </p:sld>
 </file>
 
-<file path=ppt/slides/slide3.xml><?xml version="1.0" encoding="utf-8"?>
+<file path=ppt/slides/slide29.xml><?xml version="1.0" encoding="utf-8"?>
 <p:sld xmlns:a="http://schemas.openxmlformats.org/drawingml/2006/main" xmlns:r="http://schemas.openxmlformats.org/officeDocument/2006/relationships" xmlns:p="http://schemas.openxmlformats.org/presentationml/2006/main">
   <p:cSld>
     <p:spTree>
@@ -13595,13 +12976,19 @@
               <a:rPr lang="en-US" sz="3600" dirty="0">
                 <a:cs typeface="Times New Roman" panose="02020603050405020304" pitchFamily="18" charset="0"/>
               </a:rPr>
-              <a:t>This Time: Policy Evaluation Exploiting </a:t>
-            </a:r>
-            <a:r>
-              <a:rPr lang="en-US" sz="3600" i="1" dirty="0">
+              <a:t>Simple </a:t>
+            </a:r>
+            <a:r>
+              <a:rPr lang="en-US" sz="3600" dirty="0" err="1">
                 <a:cs typeface="Times New Roman" panose="02020603050405020304" pitchFamily="18" charset="0"/>
               </a:rPr>
-              <a:t>Time</a:t>
+              <a:t>DiD</a:t>
+            </a:r>
+            <a:r>
+              <a:rPr lang="en-US" sz="3600" dirty="0">
+                <a:cs typeface="Times New Roman" panose="02020603050405020304" pitchFamily="18" charset="0"/>
+              </a:rPr>
+              <a:t> Calculation</a:t>
             </a:r>
             <a:endParaRPr lang="en-US" sz="3600" dirty="0">
               <a:latin typeface="Times New Roman" panose="02020603050405020304" pitchFamily="18" charset="0"/>
@@ -13632,174 +13019,44 @@
           </a:bodyPr>
           <a:lstStyle/>
           <a:p>
-            <a:r>
-              <a:rPr lang="en-US" sz="2400" dirty="0">
-                <a:cs typeface="Times New Roman" panose="02020603050405020304" pitchFamily="18" charset="0"/>
-              </a:rPr>
-              <a:t>We can frequently see a policy implemented, and want to know its effect</a:t>
-            </a:r>
-          </a:p>
-          <a:p>
-            <a:r>
-              <a:rPr lang="en-US" sz="2400" dirty="0">
-                <a:cs typeface="Times New Roman" panose="02020603050405020304" pitchFamily="18" charset="0"/>
-              </a:rPr>
-              <a:t> In the wild, we have two types of “quasi-random variation” we can use:</a:t>
-            </a:r>
-          </a:p>
-          <a:p>
-            <a:pPr marL="731520" lvl="1" indent="-457200">
-              <a:buFont typeface="+mj-lt"/>
-              <a:buAutoNum type="arabicPeriod"/>
-            </a:pPr>
-            <a:r>
-              <a:rPr lang="en-US" sz="2400" b="1" dirty="0">
-                <a:cs typeface="Times New Roman" panose="02020603050405020304" pitchFamily="18" charset="0"/>
-              </a:rPr>
-              <a:t>Cross-sectional variation</a:t>
-            </a:r>
-            <a:r>
-              <a:rPr lang="en-US" sz="2400" dirty="0">
-                <a:cs typeface="Times New Roman" panose="02020603050405020304" pitchFamily="18" charset="0"/>
-              </a:rPr>
-              <a:t>: differences across observed units attributable to differences in their characteristics</a:t>
-            </a:r>
-          </a:p>
-        </p:txBody>
-      </p:sp>
-    </p:spTree>
-    <p:extLst>
-      <p:ext uri="{BB962C8B-B14F-4D97-AF65-F5344CB8AC3E}">
-        <p14:creationId xmlns:p14="http://schemas.microsoft.com/office/powerpoint/2010/main" val="438085180"/>
-      </p:ext>
-    </p:extLst>
-  </p:cSld>
-  <p:clrMapOvr>
-    <a:masterClrMapping/>
-  </p:clrMapOvr>
-</p:sld>
-</file>
-
-<file path=ppt/slides/slide30.xml><?xml version="1.0" encoding="utf-8"?>
-<p:sld xmlns:a="http://schemas.openxmlformats.org/drawingml/2006/main" xmlns:r="http://schemas.openxmlformats.org/officeDocument/2006/relationships" xmlns:p="http://schemas.openxmlformats.org/presentationml/2006/main">
-  <p:cSld>
-    <p:spTree>
-      <p:nvGrpSpPr>
-        <p:cNvPr id="1" name=""/>
-        <p:cNvGrpSpPr/>
-        <p:nvPr/>
-      </p:nvGrpSpPr>
-      <p:grpSpPr>
-        <a:xfrm>
-          <a:off x="0" y="0"/>
-          <a:ext cx="0" cy="0"/>
-          <a:chOff x="0" y="0"/>
-          <a:chExt cx="0" cy="0"/>
-        </a:xfrm>
-      </p:grpSpPr>
-      <p:sp>
-        <p:nvSpPr>
-          <p:cNvPr id="2" name="Title 1"/>
-          <p:cNvSpPr>
-            <a:spLocks noGrp="1"/>
-          </p:cNvSpPr>
-          <p:nvPr>
-            <p:ph type="title"/>
-          </p:nvPr>
-        </p:nvSpPr>
-        <p:spPr>
-          <a:xfrm>
-            <a:off x="609600" y="337392"/>
-            <a:ext cx="10439400" cy="624840"/>
-          </a:xfrm>
-        </p:spPr>
-        <p:txBody>
-          <a:bodyPr>
-            <a:noAutofit/>
-          </a:bodyPr>
-          <a:lstStyle/>
-          <a:p>
-            <a:r>
-              <a:rPr lang="en-US" sz="3600" dirty="0">
-                <a:cs typeface="Times New Roman" panose="02020603050405020304" pitchFamily="18" charset="0"/>
-              </a:rPr>
-              <a:t>Assumptions Needed for DID</a:t>
-            </a:r>
-            <a:endParaRPr lang="en-US" sz="3600" dirty="0">
-              <a:latin typeface="Times New Roman" panose="02020603050405020304" pitchFamily="18" charset="0"/>
-              <a:cs typeface="Times New Roman" panose="02020603050405020304" pitchFamily="18" charset="0"/>
-            </a:endParaRPr>
-          </a:p>
-        </p:txBody>
-      </p:sp>
-      <p:sp>
-        <p:nvSpPr>
-          <p:cNvPr id="3" name="Content Placeholder 2"/>
-          <p:cNvSpPr>
-            <a:spLocks noGrp="1"/>
-          </p:cNvSpPr>
-          <p:nvPr>
-            <p:ph idx="1"/>
-          </p:nvPr>
-        </p:nvSpPr>
-        <p:spPr>
-          <a:xfrm>
-            <a:off x="1219199" y="1066801"/>
-            <a:ext cx="9405791" cy="5141388"/>
-          </a:xfrm>
-        </p:spPr>
-        <p:txBody>
-          <a:bodyPr>
-            <a:noAutofit/>
-          </a:bodyPr>
-          <a:lstStyle/>
-          <a:p>
-            <a:r>
-              <a:rPr lang="en-US" sz="2400" dirty="0">
-                <a:cs typeface="Times New Roman" panose="02020603050405020304" pitchFamily="18" charset="0"/>
-              </a:rPr>
-              <a:t>DID rests on the comparison of two groups—what do we need for that comparison to be valid? </a:t>
-            </a:r>
-          </a:p>
-          <a:p>
-            <a:pPr lvl="1"/>
-            <a:r>
-              <a:rPr lang="en-US" sz="2400" dirty="0">
-                <a:cs typeface="Times New Roman" panose="02020603050405020304" pitchFamily="18" charset="0"/>
-              </a:rPr>
-              <a:t>In general, groups need to be similar</a:t>
-            </a:r>
-          </a:p>
-          <a:p>
-            <a:pPr lvl="1"/>
-            <a:r>
-              <a:rPr lang="en-US" sz="2400" dirty="0">
-                <a:cs typeface="Times New Roman" panose="02020603050405020304" pitchFamily="18" charset="0"/>
-              </a:rPr>
-              <a:t>Of critical importance to DID is the </a:t>
-            </a:r>
-            <a:r>
-              <a:rPr lang="en-US" sz="2400" b="1" dirty="0">
-                <a:cs typeface="Times New Roman" panose="02020603050405020304" pitchFamily="18" charset="0"/>
-              </a:rPr>
-              <a:t>parallel trends </a:t>
-            </a:r>
-            <a:r>
-              <a:rPr lang="en-US" sz="2400" dirty="0">
-                <a:cs typeface="Times New Roman" panose="02020603050405020304" pitchFamily="18" charset="0"/>
-              </a:rPr>
-              <a:t>assumption:</a:t>
-            </a:r>
-          </a:p>
-          <a:p>
             <a:endParaRPr lang="en-US" sz="2400" dirty="0">
               <a:cs typeface="Times New Roman" panose="02020603050405020304" pitchFamily="18" charset="0"/>
             </a:endParaRPr>
           </a:p>
-        </p:txBody>
-      </p:sp>
-      <mc:AlternateContent xmlns:mc="http://schemas.openxmlformats.org/markup-compatibility/2006">
-        <mc:Choice xmlns:a14="http://schemas.microsoft.com/office/drawing/2010/main" Requires="a14">
+          <a:p>
+            <a:endParaRPr lang="en-US" sz="2400" dirty="0">
+              <a:cs typeface="Times New Roman" panose="02020603050405020304" pitchFamily="18" charset="0"/>
+            </a:endParaRPr>
+          </a:p>
+          <a:p>
+            <a:endParaRPr lang="en-US" sz="2400" dirty="0">
+              <a:cs typeface="Times New Roman" panose="02020603050405020304" pitchFamily="18" charset="0"/>
+            </a:endParaRPr>
+          </a:p>
+          <a:p>
+            <a:endParaRPr lang="en-US" sz="2400" dirty="0">
+              <a:cs typeface="Times New Roman" panose="02020603050405020304" pitchFamily="18" charset="0"/>
+            </a:endParaRPr>
+          </a:p>
+          <a:p>
+            <a:endParaRPr lang="en-US" sz="2400" dirty="0">
+              <a:cs typeface="Times New Roman" panose="02020603050405020304" pitchFamily="18" charset="0"/>
+            </a:endParaRPr>
+          </a:p>
+          <a:p>
+            <a:endParaRPr lang="en-US" sz="2400" dirty="0">
+              <a:cs typeface="Times New Roman" panose="02020603050405020304" pitchFamily="18" charset="0"/>
+            </a:endParaRPr>
+          </a:p>
+          <a:p>
+            <a:endParaRPr lang="en-US" sz="2400" dirty="0">
+              <a:cs typeface="Times New Roman" panose="02020603050405020304" pitchFamily="18" charset="0"/>
+            </a:endParaRPr>
+          </a:p>
+        </p:txBody>
+      </p:sp>
+      <mc:AlternateContent xmlns:mc="http://schemas.openxmlformats.org/markup-compatibility/2006" xmlns:a14="http://schemas.microsoft.com/office/drawing/2010/main">
+        <mc:Choice Requires="a14">
           <p:graphicFrame>
             <p:nvGraphicFramePr>
               <p:cNvPr id="4" name="Table 4">
@@ -13815,13 +13072,13 @@
               <p:nvPr>
                 <p:extLst>
                   <p:ext uri="{D42A27DB-BD31-4B8C-83A1-F6EECF244321}">
-                    <p14:modId xmlns:p14="http://schemas.microsoft.com/office/powerpoint/2010/main" val="3842998705"/>
+                    <p14:modId xmlns:p14="http://schemas.microsoft.com/office/powerpoint/2010/main" val="1384738745"/>
                   </p:ext>
                 </p:extLst>
               </p:nvPr>
             </p:nvGraphicFramePr>
             <p:xfrm>
-              <a:off x="1371599" y="2940177"/>
+              <a:off x="1295400" y="1089089"/>
               <a:ext cx="9601200" cy="1828800"/>
             </p:xfrm>
             <a:graphic>
@@ -14110,7 +13367,7 @@
             </a:graphic>
           </p:graphicFrame>
         </mc:Choice>
-        <mc:Fallback>
+        <mc:Fallback xmlns="">
           <p:graphicFrame>
             <p:nvGraphicFramePr>
               <p:cNvPr id="4" name="Table 4">
@@ -14126,13 +13383,13 @@
               <p:nvPr>
                 <p:extLst>
                   <p:ext uri="{D42A27DB-BD31-4B8C-83A1-F6EECF244321}">
-                    <p14:modId xmlns:p14="http://schemas.microsoft.com/office/powerpoint/2010/main" val="3842998705"/>
+                    <p14:modId xmlns:p14="http://schemas.microsoft.com/office/powerpoint/2010/main" val="1384738745"/>
                   </p:ext>
                 </p:extLst>
               </p:nvPr>
             </p:nvGraphicFramePr>
             <p:xfrm>
-              <a:off x="1371599" y="2940177"/>
+              <a:off x="1295400" y="1089089"/>
               <a:ext cx="9601200" cy="1828800"/>
             </p:xfrm>
             <a:graphic>
@@ -14396,7 +13653,7 @@
                         <a:blipFill>
                           <a:blip r:embed="rId3"/>
                           <a:stretch>
-                            <a:fillRect l="-300254" t="-312000" r="-1269" b="-29333"/>
+                            <a:fillRect l="-300254" t="-310667" r="-1015" b="-30667"/>
                           </a:stretch>
                         </a:blipFill>
                       </a:tcPr>
@@ -14427,7 +13684,7 @@
         </p:nvSpPr>
         <p:spPr>
           <a:xfrm>
-            <a:off x="4176634" y="5860407"/>
+            <a:off x="3878783" y="3925958"/>
             <a:ext cx="6882012" cy="830997"/>
           </a:xfrm>
           <a:prstGeom prst="rect">
@@ -14456,10 +13713,10 @@
       </p:sp>
       <p:sp>
         <p:nvSpPr>
-          <p:cNvPr id="5" name="Arrow: Down 4">
+          <p:cNvPr id="6" name="Arrow: Down 5">
             <a:extLst>
               <a:ext uri="{FF2B5EF4-FFF2-40B4-BE49-F238E27FC236}">
-                <a16:creationId xmlns:a16="http://schemas.microsoft.com/office/drawing/2014/main" id="{11339E79-B264-8FF3-0AC0-D6D2B1AF3E8D}"/>
+                <a16:creationId xmlns:a16="http://schemas.microsoft.com/office/drawing/2014/main" id="{F25AD094-FA61-D6B7-A38B-9B9DA3CEA142}"/>
               </a:ext>
             </a:extLst>
           </p:cNvPr>
@@ -14468,7 +13725,7 @@
         </p:nvSpPr>
         <p:spPr>
           <a:xfrm>
-            <a:off x="6629400" y="4960202"/>
+            <a:off x="6553200" y="3044746"/>
             <a:ext cx="1219200" cy="830997"/>
           </a:xfrm>
           <a:prstGeom prst="downArrow">
@@ -14513,7 +13770,932 @@
     </p:spTree>
     <p:extLst>
       <p:ext uri="{BB962C8B-B14F-4D97-AF65-F5344CB8AC3E}">
-        <p14:creationId xmlns:p14="http://schemas.microsoft.com/office/powerpoint/2010/main" val="2174661246"/>
+        <p14:creationId xmlns:p14="http://schemas.microsoft.com/office/powerpoint/2010/main" val="4257422759"/>
+      </p:ext>
+    </p:extLst>
+  </p:cSld>
+  <p:clrMapOvr>
+    <a:masterClrMapping/>
+  </p:clrMapOvr>
+</p:sld>
+</file>
+
+<file path=ppt/slides/slide3.xml><?xml version="1.0" encoding="utf-8"?>
+<p:sld xmlns:a="http://schemas.openxmlformats.org/drawingml/2006/main" xmlns:r="http://schemas.openxmlformats.org/officeDocument/2006/relationships" xmlns:p="http://schemas.openxmlformats.org/presentationml/2006/main">
+  <p:cSld>
+    <p:spTree>
+      <p:nvGrpSpPr>
+        <p:cNvPr id="1" name=""/>
+        <p:cNvGrpSpPr/>
+        <p:nvPr/>
+      </p:nvGrpSpPr>
+      <p:grpSpPr>
+        <a:xfrm>
+          <a:off x="0" y="0"/>
+          <a:ext cx="0" cy="0"/>
+          <a:chOff x="0" y="0"/>
+          <a:chExt cx="0" cy="0"/>
+        </a:xfrm>
+      </p:grpSpPr>
+      <p:sp>
+        <p:nvSpPr>
+          <p:cNvPr id="2" name="Title 1"/>
+          <p:cNvSpPr>
+            <a:spLocks noGrp="1"/>
+          </p:cNvSpPr>
+          <p:nvPr>
+            <p:ph type="title"/>
+          </p:nvPr>
+        </p:nvSpPr>
+        <p:spPr>
+          <a:xfrm>
+            <a:off x="609600" y="337392"/>
+            <a:ext cx="10439400" cy="624840"/>
+          </a:xfrm>
+        </p:spPr>
+        <p:txBody>
+          <a:bodyPr>
+            <a:noAutofit/>
+          </a:bodyPr>
+          <a:lstStyle/>
+          <a:p>
+            <a:r>
+              <a:rPr lang="en-US" sz="3600" dirty="0">
+                <a:cs typeface="Times New Roman" panose="02020603050405020304" pitchFamily="18" charset="0"/>
+              </a:rPr>
+              <a:t>This Time: Policy Evaluation Exploiting </a:t>
+            </a:r>
+            <a:r>
+              <a:rPr lang="en-US" sz="3600" i="1" dirty="0">
+                <a:cs typeface="Times New Roman" panose="02020603050405020304" pitchFamily="18" charset="0"/>
+              </a:rPr>
+              <a:t>Time</a:t>
+            </a:r>
+            <a:endParaRPr lang="en-US" sz="3600" dirty="0">
+              <a:latin typeface="Times New Roman" panose="02020603050405020304" pitchFamily="18" charset="0"/>
+              <a:cs typeface="Times New Roman" panose="02020603050405020304" pitchFamily="18" charset="0"/>
+            </a:endParaRPr>
+          </a:p>
+        </p:txBody>
+      </p:sp>
+      <p:sp>
+        <p:nvSpPr>
+          <p:cNvPr id="3" name="Content Placeholder 2"/>
+          <p:cNvSpPr>
+            <a:spLocks noGrp="1"/>
+          </p:cNvSpPr>
+          <p:nvPr>
+            <p:ph idx="1"/>
+          </p:nvPr>
+        </p:nvSpPr>
+        <p:spPr>
+          <a:xfrm>
+            <a:off x="1219199" y="1066801"/>
+            <a:ext cx="9405791" cy="5141388"/>
+          </a:xfrm>
+        </p:spPr>
+        <p:txBody>
+          <a:bodyPr>
+            <a:noAutofit/>
+          </a:bodyPr>
+          <a:lstStyle/>
+          <a:p>
+            <a:r>
+              <a:rPr lang="en-US" sz="2400" dirty="0">
+                <a:cs typeface="Times New Roman" panose="02020603050405020304" pitchFamily="18" charset="0"/>
+              </a:rPr>
+              <a:t>We can frequently see a policy implemented, and want to know its effect</a:t>
+            </a:r>
+          </a:p>
+          <a:p>
+            <a:r>
+              <a:rPr lang="en-US" sz="2400" dirty="0">
+                <a:cs typeface="Times New Roman" panose="02020603050405020304" pitchFamily="18" charset="0"/>
+              </a:rPr>
+              <a:t> In the wild, we have two types of “quasi-random variation” we can use:</a:t>
+            </a:r>
+          </a:p>
+          <a:p>
+            <a:pPr marL="731520" lvl="1" indent="-457200">
+              <a:buFont typeface="+mj-lt"/>
+              <a:buAutoNum type="arabicPeriod"/>
+            </a:pPr>
+            <a:r>
+              <a:rPr lang="en-US" sz="2400" b="1" dirty="0">
+                <a:cs typeface="Times New Roman" panose="02020603050405020304" pitchFamily="18" charset="0"/>
+              </a:rPr>
+              <a:t>Cross-sectional variation</a:t>
+            </a:r>
+            <a:r>
+              <a:rPr lang="en-US" sz="2400" dirty="0">
+                <a:cs typeface="Times New Roman" panose="02020603050405020304" pitchFamily="18" charset="0"/>
+              </a:rPr>
+              <a:t>: differences across observed units attributable to differences in their characteristics</a:t>
+            </a:r>
+          </a:p>
+        </p:txBody>
+      </p:sp>
+    </p:spTree>
+    <p:extLst>
+      <p:ext uri="{BB962C8B-B14F-4D97-AF65-F5344CB8AC3E}">
+        <p14:creationId xmlns:p14="http://schemas.microsoft.com/office/powerpoint/2010/main" val="438085180"/>
+      </p:ext>
+    </p:extLst>
+  </p:cSld>
+  <p:clrMapOvr>
+    <a:masterClrMapping/>
+  </p:clrMapOvr>
+</p:sld>
+</file>
+
+<file path=ppt/slides/slide30.xml><?xml version="1.0" encoding="utf-8"?>
+<p:sld xmlns:a="http://schemas.openxmlformats.org/drawingml/2006/main" xmlns:r="http://schemas.openxmlformats.org/officeDocument/2006/relationships" xmlns:p="http://schemas.openxmlformats.org/presentationml/2006/main">
+  <p:cSld>
+    <p:spTree>
+      <p:nvGrpSpPr>
+        <p:cNvPr id="1" name=""/>
+        <p:cNvGrpSpPr/>
+        <p:nvPr/>
+      </p:nvGrpSpPr>
+      <p:grpSpPr>
+        <a:xfrm>
+          <a:off x="0" y="0"/>
+          <a:ext cx="0" cy="0"/>
+          <a:chOff x="0" y="0"/>
+          <a:chExt cx="0" cy="0"/>
+        </a:xfrm>
+      </p:grpSpPr>
+      <p:sp>
+        <p:nvSpPr>
+          <p:cNvPr id="2" name="Title 1"/>
+          <p:cNvSpPr>
+            <a:spLocks noGrp="1"/>
+          </p:cNvSpPr>
+          <p:nvPr>
+            <p:ph type="title"/>
+          </p:nvPr>
+        </p:nvSpPr>
+        <p:spPr>
+          <a:xfrm>
+            <a:off x="609600" y="337392"/>
+            <a:ext cx="10439400" cy="624840"/>
+          </a:xfrm>
+        </p:spPr>
+        <p:txBody>
+          <a:bodyPr>
+            <a:noAutofit/>
+          </a:bodyPr>
+          <a:lstStyle/>
+          <a:p>
+            <a:r>
+              <a:rPr lang="en-US" sz="3600" dirty="0">
+                <a:cs typeface="Times New Roman" panose="02020603050405020304" pitchFamily="18" charset="0"/>
+              </a:rPr>
+              <a:t>Assumptions Needed for DID</a:t>
+            </a:r>
+            <a:endParaRPr lang="en-US" sz="3600" dirty="0">
+              <a:latin typeface="Times New Roman" panose="02020603050405020304" pitchFamily="18" charset="0"/>
+              <a:cs typeface="Times New Roman" panose="02020603050405020304" pitchFamily="18" charset="0"/>
+            </a:endParaRPr>
+          </a:p>
+        </p:txBody>
+      </p:sp>
+      <p:sp>
+        <p:nvSpPr>
+          <p:cNvPr id="3" name="Content Placeholder 2"/>
+          <p:cNvSpPr>
+            <a:spLocks noGrp="1"/>
+          </p:cNvSpPr>
+          <p:nvPr>
+            <p:ph idx="1"/>
+          </p:nvPr>
+        </p:nvSpPr>
+        <p:spPr>
+          <a:xfrm>
+            <a:off x="1219199" y="1066801"/>
+            <a:ext cx="9405791" cy="5141388"/>
+          </a:xfrm>
+        </p:spPr>
+        <p:txBody>
+          <a:bodyPr>
+            <a:noAutofit/>
+          </a:bodyPr>
+          <a:lstStyle/>
+          <a:p>
+            <a:endParaRPr lang="en-US" sz="2400" dirty="0">
+              <a:cs typeface="Times New Roman" panose="02020603050405020304" pitchFamily="18" charset="0"/>
+            </a:endParaRPr>
+          </a:p>
+          <a:p>
+            <a:endParaRPr lang="en-US" sz="2400" dirty="0">
+              <a:cs typeface="Times New Roman" panose="02020603050405020304" pitchFamily="18" charset="0"/>
+            </a:endParaRPr>
+          </a:p>
+          <a:p>
+            <a:endParaRPr lang="en-US" sz="2400" dirty="0">
+              <a:cs typeface="Times New Roman" panose="02020603050405020304" pitchFamily="18" charset="0"/>
+            </a:endParaRPr>
+          </a:p>
+          <a:p>
+            <a:endParaRPr lang="en-US" sz="2400" dirty="0">
+              <a:cs typeface="Times New Roman" panose="02020603050405020304" pitchFamily="18" charset="0"/>
+            </a:endParaRPr>
+          </a:p>
+          <a:p>
+            <a:endParaRPr lang="en-US" sz="2400" dirty="0">
+              <a:cs typeface="Times New Roman" panose="02020603050405020304" pitchFamily="18" charset="0"/>
+            </a:endParaRPr>
+          </a:p>
+          <a:p>
+            <a:endParaRPr lang="en-US" sz="2400" dirty="0">
+              <a:cs typeface="Times New Roman" panose="02020603050405020304" pitchFamily="18" charset="0"/>
+            </a:endParaRPr>
+          </a:p>
+          <a:p>
+            <a:r>
+              <a:rPr lang="en-US" sz="2400" dirty="0">
+                <a:cs typeface="Times New Roman" panose="02020603050405020304" pitchFamily="18" charset="0"/>
+              </a:rPr>
+              <a:t>DID rests on the comparison of two groups—what do we need for that comparison to be valid? </a:t>
+            </a:r>
+          </a:p>
+          <a:p>
+            <a:pPr marL="0" indent="0">
+              <a:buNone/>
+            </a:pPr>
+            <a:r>
+              <a:rPr lang="en-US" sz="2600" b="1" dirty="0">
+                <a:solidFill>
+                  <a:schemeClr val="accent2">
+                    <a:lumMod val="75000"/>
+                  </a:schemeClr>
+                </a:solidFill>
+                <a:cs typeface="Times New Roman" panose="02020603050405020304" pitchFamily="18" charset="0"/>
+              </a:rPr>
+              <a:t>Parallel trends! </a:t>
+            </a:r>
+            <a:r>
+              <a:rPr lang="en-US" sz="2600" dirty="0">
+                <a:cs typeface="Times New Roman" panose="02020603050405020304" pitchFamily="18" charset="0"/>
+              </a:rPr>
+              <a:t>What is this in math? </a:t>
+            </a:r>
+          </a:p>
+          <a:p>
+            <a:endParaRPr lang="en-US" sz="2400" dirty="0">
+              <a:cs typeface="Times New Roman" panose="02020603050405020304" pitchFamily="18" charset="0"/>
+            </a:endParaRPr>
+          </a:p>
+        </p:txBody>
+      </p:sp>
+      <mc:AlternateContent xmlns:mc="http://schemas.openxmlformats.org/markup-compatibility/2006" xmlns:a14="http://schemas.microsoft.com/office/drawing/2010/main">
+        <mc:Choice Requires="a14">
+          <p:graphicFrame>
+            <p:nvGraphicFramePr>
+              <p:cNvPr id="4" name="Table 4">
+                <a:extLst>
+                  <a:ext uri="{FF2B5EF4-FFF2-40B4-BE49-F238E27FC236}">
+                    <a16:creationId xmlns:a16="http://schemas.microsoft.com/office/drawing/2014/main" id="{640561D4-3FEE-FD66-F10C-078A21B5FA84}"/>
+                  </a:ext>
+                </a:extLst>
+              </p:cNvPr>
+              <p:cNvGraphicFramePr>
+                <a:graphicFrameLocks noGrp="1"/>
+              </p:cNvGraphicFramePr>
+              <p:nvPr/>
+            </p:nvGraphicFramePr>
+            <p:xfrm>
+              <a:off x="1295400" y="1089089"/>
+              <a:ext cx="9601200" cy="1828800"/>
+            </p:xfrm>
+            <a:graphic>
+              <a:graphicData uri="http://schemas.openxmlformats.org/drawingml/2006/table">
+                <a:tbl>
+                  <a:tblPr firstRow="1" bandRow="1">
+                    <a:tableStyleId>{5C22544A-7EE6-4342-B048-85BDC9FD1C3A}</a:tableStyleId>
+                  </a:tblPr>
+                  <a:tblGrid>
+                    <a:gridCol w="2400300">
+                      <a:extLst>
+                        <a:ext uri="{9D8B030D-6E8A-4147-A177-3AD203B41FA5}">
+                          <a16:colId xmlns:a16="http://schemas.microsoft.com/office/drawing/2014/main" val="1716933922"/>
+                        </a:ext>
+                      </a:extLst>
+                    </a:gridCol>
+                    <a:gridCol w="2400300">
+                      <a:extLst>
+                        <a:ext uri="{9D8B030D-6E8A-4147-A177-3AD203B41FA5}">
+                          <a16:colId xmlns:a16="http://schemas.microsoft.com/office/drawing/2014/main" val="2878382463"/>
+                        </a:ext>
+                      </a:extLst>
+                    </a:gridCol>
+                    <a:gridCol w="2400300">
+                      <a:extLst>
+                        <a:ext uri="{9D8B030D-6E8A-4147-A177-3AD203B41FA5}">
+                          <a16:colId xmlns:a16="http://schemas.microsoft.com/office/drawing/2014/main" val="3292783135"/>
+                        </a:ext>
+                      </a:extLst>
+                    </a:gridCol>
+                    <a:gridCol w="2400300">
+                      <a:extLst>
+                        <a:ext uri="{9D8B030D-6E8A-4147-A177-3AD203B41FA5}">
+                          <a16:colId xmlns:a16="http://schemas.microsoft.com/office/drawing/2014/main" val="991785352"/>
+                        </a:ext>
+                      </a:extLst>
+                    </a:gridCol>
+                  </a:tblGrid>
+                  <a:tr h="304800">
+                    <a:tc>
+                      <a:txBody>
+                        <a:bodyPr/>
+                        <a:lstStyle/>
+                        <a:p>
+                          <a:pPr algn="r"/>
+                          <a:r>
+                            <a:rPr lang="en-CA" sz="2400" dirty="0"/>
+                            <a:t>Y</a:t>
+                          </a:r>
+                        </a:p>
+                      </a:txBody>
+                      <a:tcPr/>
+                    </a:tc>
+                    <a:tc>
+                      <a:txBody>
+                        <a:bodyPr/>
+                        <a:lstStyle/>
+                        <a:p>
+                          <a:r>
+                            <a:rPr lang="en-CA" sz="2400" dirty="0"/>
+                            <a:t>Pre</a:t>
+                          </a:r>
+                        </a:p>
+                      </a:txBody>
+                      <a:tcPr/>
+                    </a:tc>
+                    <a:tc>
+                      <a:txBody>
+                        <a:bodyPr/>
+                        <a:lstStyle/>
+                        <a:p>
+                          <a:r>
+                            <a:rPr lang="en-CA" sz="2400" dirty="0"/>
+                            <a:t>Post</a:t>
+                          </a:r>
+                        </a:p>
+                      </a:txBody>
+                      <a:tcPr/>
+                    </a:tc>
+                    <a:tc>
+                      <a:txBody>
+                        <a:bodyPr/>
+                        <a:lstStyle/>
+                        <a:p>
+                          <a:r>
+                            <a:rPr lang="en-CA" sz="2400" dirty="0"/>
+                            <a:t>Difference</a:t>
+                          </a:r>
+                        </a:p>
+                      </a:txBody>
+                      <a:tcPr/>
+                    </a:tc>
+                    <a:extLst>
+                      <a:ext uri="{0D108BD9-81ED-4DB2-BD59-A6C34878D82A}">
+                        <a16:rowId xmlns:a16="http://schemas.microsoft.com/office/drawing/2014/main" val="1192502697"/>
+                      </a:ext>
+                    </a:extLst>
+                  </a:tr>
+                  <a:tr h="304800">
+                    <a:tc>
+                      <a:txBody>
+                        <a:bodyPr/>
+                        <a:lstStyle/>
+                        <a:p>
+                          <a:r>
+                            <a:rPr lang="en-CA" sz="2400" dirty="0"/>
+                            <a:t>Control</a:t>
+                          </a:r>
+                        </a:p>
+                      </a:txBody>
+                      <a:tcPr/>
+                    </a:tc>
+                    <a:tc>
+                      <a:txBody>
+                        <a:bodyPr/>
+                        <a:lstStyle/>
+                        <a:p>
+                          <a:r>
+                            <a:rPr lang="en-CA" sz="2400" dirty="0"/>
+                            <a:t>40</a:t>
+                          </a:r>
+                        </a:p>
+                      </a:txBody>
+                      <a:tcPr/>
+                    </a:tc>
+                    <a:tc>
+                      <a:txBody>
+                        <a:bodyPr/>
+                        <a:lstStyle/>
+                        <a:p>
+                          <a:r>
+                            <a:rPr lang="en-CA" sz="2400" dirty="0"/>
+                            <a:t>35</a:t>
+                          </a:r>
+                        </a:p>
+                      </a:txBody>
+                      <a:tcPr/>
+                    </a:tc>
+                    <a:tc>
+                      <a:txBody>
+                        <a:bodyPr/>
+                        <a:lstStyle/>
+                        <a:p>
+                          <a:r>
+                            <a:rPr lang="en-CA" sz="2400" dirty="0"/>
+                            <a:t>-5</a:t>
+                          </a:r>
+                        </a:p>
+                      </a:txBody>
+                      <a:tcPr/>
+                    </a:tc>
+                    <a:extLst>
+                      <a:ext uri="{0D108BD9-81ED-4DB2-BD59-A6C34878D82A}">
+                        <a16:rowId xmlns:a16="http://schemas.microsoft.com/office/drawing/2014/main" val="1479634554"/>
+                      </a:ext>
+                    </a:extLst>
+                  </a:tr>
+                  <a:tr h="304800">
+                    <a:tc>
+                      <a:txBody>
+                        <a:bodyPr/>
+                        <a:lstStyle/>
+                        <a:p>
+                          <a:r>
+                            <a:rPr lang="en-CA" sz="2400" dirty="0"/>
+                            <a:t>Treated</a:t>
+                          </a:r>
+                        </a:p>
+                      </a:txBody>
+                      <a:tcPr/>
+                    </a:tc>
+                    <a:tc>
+                      <a:txBody>
+                        <a:bodyPr/>
+                        <a:lstStyle/>
+                        <a:p>
+                          <a:r>
+                            <a:rPr lang="en-CA" sz="2400" dirty="0"/>
+                            <a:t>20</a:t>
+                          </a:r>
+                        </a:p>
+                      </a:txBody>
+                      <a:tcPr/>
+                    </a:tc>
+                    <a:tc>
+                      <a:txBody>
+                        <a:bodyPr/>
+                        <a:lstStyle/>
+                        <a:p>
+                          <a:r>
+                            <a:rPr lang="en-CA" sz="2400" dirty="0"/>
+                            <a:t>10</a:t>
+                          </a:r>
+                        </a:p>
+                      </a:txBody>
+                      <a:tcPr/>
+                    </a:tc>
+                    <a:tc>
+                      <a:txBody>
+                        <a:bodyPr/>
+                        <a:lstStyle/>
+                        <a:p>
+                          <a:r>
+                            <a:rPr lang="en-CA" sz="2400" dirty="0"/>
+                            <a:t>-10</a:t>
+                          </a:r>
+                        </a:p>
+                      </a:txBody>
+                      <a:tcPr/>
+                    </a:tc>
+                    <a:extLst>
+                      <a:ext uri="{0D108BD9-81ED-4DB2-BD59-A6C34878D82A}">
+                        <a16:rowId xmlns:a16="http://schemas.microsoft.com/office/drawing/2014/main" val="3009091282"/>
+                      </a:ext>
+                    </a:extLst>
+                  </a:tr>
+                  <a:tr h="457200">
+                    <a:tc>
+                      <a:txBody>
+                        <a:bodyPr/>
+                        <a:lstStyle/>
+                        <a:p>
+                          <a:endParaRPr lang="en-CA" sz="2400" dirty="0"/>
+                        </a:p>
+                      </a:txBody>
+                      <a:tcPr/>
+                    </a:tc>
+                    <a:tc>
+                      <a:txBody>
+                        <a:bodyPr/>
+                        <a:lstStyle/>
+                        <a:p>
+                          <a:endParaRPr lang="en-CA" sz="2400" dirty="0"/>
+                        </a:p>
+                      </a:txBody>
+                      <a:tcPr/>
+                    </a:tc>
+                    <a:tc>
+                      <a:txBody>
+                        <a:bodyPr/>
+                        <a:lstStyle/>
+                        <a:p>
+                          <a:pPr algn="r"/>
+                          <a:r>
+                            <a:rPr lang="en-CA" sz="2400" b="1" dirty="0"/>
+                            <a:t>DID Estimate</a:t>
+                          </a:r>
+                        </a:p>
+                      </a:txBody>
+                      <a:tcPr/>
+                    </a:tc>
+                    <a:tc>
+                      <a:txBody>
+                        <a:bodyPr/>
+                        <a:lstStyle/>
+                        <a:p>
+                          <a:pPr/>
+                          <a14:m>
+                            <m:oMathPara xmlns:m="http://schemas.openxmlformats.org/officeDocument/2006/math">
+                              <m:oMathParaPr>
+                                <m:jc m:val="centerGroup"/>
+                              </m:oMathParaPr>
+                              <m:oMath xmlns:m="http://schemas.openxmlformats.org/officeDocument/2006/math">
+                                <m:r>
+                                  <a:rPr lang="en-CA" sz="2400" b="0" i="1" smtClean="0">
+                                    <a:latin typeface="Cambria Math" panose="02040503050406030204" pitchFamily="18" charset="0"/>
+                                  </a:rPr>
+                                  <m:t>−10−−5=−5</m:t>
+                                </m:r>
+                              </m:oMath>
+                            </m:oMathPara>
+                          </a14:m>
+                          <a:endParaRPr lang="en-CA" sz="2400" dirty="0"/>
+                        </a:p>
+                      </a:txBody>
+                      <a:tcPr/>
+                    </a:tc>
+                    <a:extLst>
+                      <a:ext uri="{0D108BD9-81ED-4DB2-BD59-A6C34878D82A}">
+                        <a16:rowId xmlns:a16="http://schemas.microsoft.com/office/drawing/2014/main" val="1816111248"/>
+                      </a:ext>
+                    </a:extLst>
+                  </a:tr>
+                </a:tbl>
+              </a:graphicData>
+            </a:graphic>
+          </p:graphicFrame>
+        </mc:Choice>
+        <mc:Fallback xmlns="">
+          <p:graphicFrame>
+            <p:nvGraphicFramePr>
+              <p:cNvPr id="4" name="Table 4">
+                <a:extLst>
+                  <a:ext uri="{FF2B5EF4-FFF2-40B4-BE49-F238E27FC236}">
+                    <a16:creationId xmlns:a16="http://schemas.microsoft.com/office/drawing/2014/main" id="{640561D4-3FEE-FD66-F10C-078A21B5FA84}"/>
+                  </a:ext>
+                </a:extLst>
+              </p:cNvPr>
+              <p:cNvGraphicFramePr>
+                <a:graphicFrameLocks noGrp="1"/>
+              </p:cNvGraphicFramePr>
+              <p:nvPr/>
+            </p:nvGraphicFramePr>
+            <p:xfrm>
+              <a:off x="1295400" y="1089089"/>
+              <a:ext cx="9601200" cy="1828800"/>
+            </p:xfrm>
+            <a:graphic>
+              <a:graphicData uri="http://schemas.openxmlformats.org/drawingml/2006/table">
+                <a:tbl>
+                  <a:tblPr firstRow="1" bandRow="1">
+                    <a:tableStyleId>{5C22544A-7EE6-4342-B048-85BDC9FD1C3A}</a:tableStyleId>
+                  </a:tblPr>
+                  <a:tblGrid>
+                    <a:gridCol w="2400300">
+                      <a:extLst>
+                        <a:ext uri="{9D8B030D-6E8A-4147-A177-3AD203B41FA5}">
+                          <a16:colId xmlns:a16="http://schemas.microsoft.com/office/drawing/2014/main" val="1716933922"/>
+                        </a:ext>
+                      </a:extLst>
+                    </a:gridCol>
+                    <a:gridCol w="2400300">
+                      <a:extLst>
+                        <a:ext uri="{9D8B030D-6E8A-4147-A177-3AD203B41FA5}">
+                          <a16:colId xmlns:a16="http://schemas.microsoft.com/office/drawing/2014/main" val="2878382463"/>
+                        </a:ext>
+                      </a:extLst>
+                    </a:gridCol>
+                    <a:gridCol w="2400300">
+                      <a:extLst>
+                        <a:ext uri="{9D8B030D-6E8A-4147-A177-3AD203B41FA5}">
+                          <a16:colId xmlns:a16="http://schemas.microsoft.com/office/drawing/2014/main" val="3292783135"/>
+                        </a:ext>
+                      </a:extLst>
+                    </a:gridCol>
+                    <a:gridCol w="2400300">
+                      <a:extLst>
+                        <a:ext uri="{9D8B030D-6E8A-4147-A177-3AD203B41FA5}">
+                          <a16:colId xmlns:a16="http://schemas.microsoft.com/office/drawing/2014/main" val="991785352"/>
+                        </a:ext>
+                      </a:extLst>
+                    </a:gridCol>
+                  </a:tblGrid>
+                  <a:tr h="457200">
+                    <a:tc>
+                      <a:txBody>
+                        <a:bodyPr/>
+                        <a:lstStyle/>
+                        <a:p>
+                          <a:pPr algn="r"/>
+                          <a:r>
+                            <a:rPr lang="en-CA" sz="2400" dirty="0"/>
+                            <a:t>Y</a:t>
+                          </a:r>
+                        </a:p>
+                      </a:txBody>
+                      <a:tcPr/>
+                    </a:tc>
+                    <a:tc>
+                      <a:txBody>
+                        <a:bodyPr/>
+                        <a:lstStyle/>
+                        <a:p>
+                          <a:r>
+                            <a:rPr lang="en-CA" sz="2400" dirty="0"/>
+                            <a:t>Pre</a:t>
+                          </a:r>
+                        </a:p>
+                      </a:txBody>
+                      <a:tcPr/>
+                    </a:tc>
+                    <a:tc>
+                      <a:txBody>
+                        <a:bodyPr/>
+                        <a:lstStyle/>
+                        <a:p>
+                          <a:r>
+                            <a:rPr lang="en-CA" sz="2400" dirty="0"/>
+                            <a:t>Post</a:t>
+                          </a:r>
+                        </a:p>
+                      </a:txBody>
+                      <a:tcPr/>
+                    </a:tc>
+                    <a:tc>
+                      <a:txBody>
+                        <a:bodyPr/>
+                        <a:lstStyle/>
+                        <a:p>
+                          <a:r>
+                            <a:rPr lang="en-CA" sz="2400" dirty="0"/>
+                            <a:t>Difference</a:t>
+                          </a:r>
+                        </a:p>
+                      </a:txBody>
+                      <a:tcPr/>
+                    </a:tc>
+                    <a:extLst>
+                      <a:ext uri="{0D108BD9-81ED-4DB2-BD59-A6C34878D82A}">
+                        <a16:rowId xmlns:a16="http://schemas.microsoft.com/office/drawing/2014/main" val="1192502697"/>
+                      </a:ext>
+                    </a:extLst>
+                  </a:tr>
+                  <a:tr h="457200">
+                    <a:tc>
+                      <a:txBody>
+                        <a:bodyPr/>
+                        <a:lstStyle/>
+                        <a:p>
+                          <a:r>
+                            <a:rPr lang="en-CA" sz="2400" dirty="0"/>
+                            <a:t>Control</a:t>
+                          </a:r>
+                        </a:p>
+                      </a:txBody>
+                      <a:tcPr/>
+                    </a:tc>
+                    <a:tc>
+                      <a:txBody>
+                        <a:bodyPr/>
+                        <a:lstStyle/>
+                        <a:p>
+                          <a:r>
+                            <a:rPr lang="en-CA" sz="2400" dirty="0"/>
+                            <a:t>40</a:t>
+                          </a:r>
+                        </a:p>
+                      </a:txBody>
+                      <a:tcPr/>
+                    </a:tc>
+                    <a:tc>
+                      <a:txBody>
+                        <a:bodyPr/>
+                        <a:lstStyle/>
+                        <a:p>
+                          <a:r>
+                            <a:rPr lang="en-CA" sz="2400" dirty="0"/>
+                            <a:t>35</a:t>
+                          </a:r>
+                        </a:p>
+                      </a:txBody>
+                      <a:tcPr/>
+                    </a:tc>
+                    <a:tc>
+                      <a:txBody>
+                        <a:bodyPr/>
+                        <a:lstStyle/>
+                        <a:p>
+                          <a:r>
+                            <a:rPr lang="en-CA" sz="2400" dirty="0"/>
+                            <a:t>-5</a:t>
+                          </a:r>
+                        </a:p>
+                      </a:txBody>
+                      <a:tcPr/>
+                    </a:tc>
+                    <a:extLst>
+                      <a:ext uri="{0D108BD9-81ED-4DB2-BD59-A6C34878D82A}">
+                        <a16:rowId xmlns:a16="http://schemas.microsoft.com/office/drawing/2014/main" val="1479634554"/>
+                      </a:ext>
+                    </a:extLst>
+                  </a:tr>
+                  <a:tr h="457200">
+                    <a:tc>
+                      <a:txBody>
+                        <a:bodyPr/>
+                        <a:lstStyle/>
+                        <a:p>
+                          <a:r>
+                            <a:rPr lang="en-CA" sz="2400" dirty="0"/>
+                            <a:t>Treated</a:t>
+                          </a:r>
+                        </a:p>
+                      </a:txBody>
+                      <a:tcPr/>
+                    </a:tc>
+                    <a:tc>
+                      <a:txBody>
+                        <a:bodyPr/>
+                        <a:lstStyle/>
+                        <a:p>
+                          <a:r>
+                            <a:rPr lang="en-CA" sz="2400" dirty="0"/>
+                            <a:t>20</a:t>
+                          </a:r>
+                        </a:p>
+                      </a:txBody>
+                      <a:tcPr/>
+                    </a:tc>
+                    <a:tc>
+                      <a:txBody>
+                        <a:bodyPr/>
+                        <a:lstStyle/>
+                        <a:p>
+                          <a:r>
+                            <a:rPr lang="en-CA" sz="2400" dirty="0"/>
+                            <a:t>10</a:t>
+                          </a:r>
+                        </a:p>
+                      </a:txBody>
+                      <a:tcPr/>
+                    </a:tc>
+                    <a:tc>
+                      <a:txBody>
+                        <a:bodyPr/>
+                        <a:lstStyle/>
+                        <a:p>
+                          <a:r>
+                            <a:rPr lang="en-CA" sz="2400" dirty="0"/>
+                            <a:t>-10</a:t>
+                          </a:r>
+                        </a:p>
+                      </a:txBody>
+                      <a:tcPr/>
+                    </a:tc>
+                    <a:extLst>
+                      <a:ext uri="{0D108BD9-81ED-4DB2-BD59-A6C34878D82A}">
+                        <a16:rowId xmlns:a16="http://schemas.microsoft.com/office/drawing/2014/main" val="3009091282"/>
+                      </a:ext>
+                    </a:extLst>
+                  </a:tr>
+                  <a:tr h="457200">
+                    <a:tc>
+                      <a:txBody>
+                        <a:bodyPr/>
+                        <a:lstStyle/>
+                        <a:p>
+                          <a:endParaRPr lang="en-CA" sz="2400" dirty="0"/>
+                        </a:p>
+                      </a:txBody>
+                      <a:tcPr/>
+                    </a:tc>
+                    <a:tc>
+                      <a:txBody>
+                        <a:bodyPr/>
+                        <a:lstStyle/>
+                        <a:p>
+                          <a:endParaRPr lang="en-CA" sz="2400" dirty="0"/>
+                        </a:p>
+                      </a:txBody>
+                      <a:tcPr/>
+                    </a:tc>
+                    <a:tc>
+                      <a:txBody>
+                        <a:bodyPr/>
+                        <a:lstStyle/>
+                        <a:p>
+                          <a:pPr algn="r"/>
+                          <a:r>
+                            <a:rPr lang="en-CA" sz="2400" b="1" dirty="0"/>
+                            <a:t>DID Estimate</a:t>
+                          </a:r>
+                        </a:p>
+                      </a:txBody>
+                      <a:tcPr/>
+                    </a:tc>
+                    <a:tc>
+                      <a:txBody>
+                        <a:bodyPr/>
+                        <a:lstStyle/>
+                        <a:p>
+                          <a:endParaRPr lang="en-US"/>
+                        </a:p>
+                      </a:txBody>
+                      <a:tcPr>
+                        <a:blipFill>
+                          <a:blip r:embed="rId3"/>
+                          <a:stretch>
+                            <a:fillRect l="-300254" t="-310667" r="-1015" b="-30667"/>
+                          </a:stretch>
+                        </a:blipFill>
+                      </a:tcPr>
+                    </a:tc>
+                    <a:extLst>
+                      <a:ext uri="{0D108BD9-81ED-4DB2-BD59-A6C34878D82A}">
+                        <a16:rowId xmlns:a16="http://schemas.microsoft.com/office/drawing/2014/main" val="1816111248"/>
+                      </a:ext>
+                    </a:extLst>
+                  </a:tr>
+                </a:tbl>
+              </a:graphicData>
+            </a:graphic>
+          </p:graphicFrame>
+        </mc:Fallback>
+      </mc:AlternateContent>
+      <p:sp>
+        <p:nvSpPr>
+          <p:cNvPr id="9" name="TextBox 8">
+            <a:extLst>
+              <a:ext uri="{FF2B5EF4-FFF2-40B4-BE49-F238E27FC236}">
+                <a16:creationId xmlns:a16="http://schemas.microsoft.com/office/drawing/2014/main" id="{3EE9D18F-77E4-8AB7-20E8-D4E01BB43EF2}"/>
+              </a:ext>
+            </a:extLst>
+          </p:cNvPr>
+          <p:cNvSpPr txBox="1"/>
+          <p:nvPr/>
+        </p:nvSpPr>
+        <p:spPr>
+          <a:xfrm>
+            <a:off x="4014588" y="2940177"/>
+            <a:ext cx="6882012" cy="830997"/>
+          </a:xfrm>
+          <a:prstGeom prst="rect">
+            <a:avLst/>
+          </a:prstGeom>
+          <a:noFill/>
+        </p:spPr>
+        <p:txBody>
+          <a:bodyPr wrap="none" rtlCol="0">
+            <a:spAutoFit/>
+          </a:bodyPr>
+          <a:lstStyle/>
+          <a:p>
+            <a:r>
+              <a:rPr lang="en-CA" sz="2400" dirty="0"/>
+              <a:t>Treatment effect + Changes in Treated Group </a:t>
+            </a:r>
+          </a:p>
+          <a:p>
+            <a:r>
+              <a:rPr lang="en-CA" sz="2400" dirty="0"/>
+              <a:t>					– Changes in Untreated Group</a:t>
+            </a:r>
+          </a:p>
+        </p:txBody>
+      </p:sp>
+    </p:spTree>
+    <p:extLst>
+      <p:ext uri="{BB962C8B-B14F-4D97-AF65-F5344CB8AC3E}">
+        <p14:creationId xmlns:p14="http://schemas.microsoft.com/office/powerpoint/2010/main" val="2275322546"/>
       </p:ext>
     </p:extLst>
   </p:cSld>
@@ -15198,8 +15380,8 @@
           </a:p>
         </p:txBody>
       </p:sp>
-      <mc:AlternateContent xmlns:mc="http://schemas.openxmlformats.org/markup-compatibility/2006">
-        <mc:Choice xmlns:a14="http://schemas.microsoft.com/office/drawing/2010/main" Requires="a14">
+      <mc:AlternateContent xmlns:mc="http://schemas.openxmlformats.org/markup-compatibility/2006" xmlns:a14="http://schemas.microsoft.com/office/drawing/2010/main">
+        <mc:Choice Requires="a14">
           <p:sp>
             <p:nvSpPr>
               <p:cNvPr id="3" name="Content Placeholder 2"/>
@@ -15709,7 +15891,7 @@
             </p:txBody>
           </p:sp>
         </mc:Choice>
-        <mc:Fallback>
+        <mc:Fallback xmlns="">
           <p:sp>
             <p:nvSpPr>
               <p:cNvPr id="3" name="Content Placeholder 2"/>
@@ -15859,8 +16041,8 @@
           </a:p>
         </p:txBody>
       </p:sp>
-      <mc:AlternateContent xmlns:mc="http://schemas.openxmlformats.org/markup-compatibility/2006">
-        <mc:Choice xmlns:a14="http://schemas.microsoft.com/office/drawing/2010/main" Requires="a14">
+      <mc:AlternateContent xmlns:mc="http://schemas.openxmlformats.org/markup-compatibility/2006" xmlns:a14="http://schemas.microsoft.com/office/drawing/2010/main">
+        <mc:Choice Requires="a14">
           <p:sp>
             <p:nvSpPr>
               <p:cNvPr id="3" name="Content Placeholder 2"/>
@@ -16089,13 +16271,13 @@
                   <a:rPr lang="en-US" sz="2400" dirty="0">
                     <a:cs typeface="Times New Roman" panose="02020603050405020304" pitchFamily="18" charset="0"/>
                   </a:rPr>
-                  <a:t>There are resources to combine this with IV. See Hoagland (2022) and Hull et al., XXX for a discussion</a:t>
+                  <a:t>There are resources to combine this with IV. See Hoagland (2022) and Hudson et al., 2017 for a discussion</a:t>
                 </a:r>
               </a:p>
             </p:txBody>
           </p:sp>
         </mc:Choice>
-        <mc:Fallback>
+        <mc:Fallback xmlns="">
           <p:sp>
             <p:nvSpPr>
               <p:cNvPr id="3" name="Content Placeholder 2"/>
@@ -16123,7 +16305,7 @@
               <a:lstStyle/>
               <a:p>
                 <a:r>
-                  <a:rPr lang="en-US">
+                  <a:rPr lang="en-CA">
                     <a:noFill/>
                   </a:rPr>
                   <a:t> </a:t>
@@ -16340,8 +16522,8 @@
           </a:p>
         </p:txBody>
       </p:sp>
-      <mc:AlternateContent xmlns:mc="http://schemas.openxmlformats.org/markup-compatibility/2006">
-        <mc:Choice xmlns:a14="http://schemas.microsoft.com/office/drawing/2010/main" Requires="a14">
+      <mc:AlternateContent xmlns:mc="http://schemas.openxmlformats.org/markup-compatibility/2006" xmlns:a14="http://schemas.microsoft.com/office/drawing/2010/main">
+        <mc:Choice Requires="a14">
           <p:sp>
             <p:nvSpPr>
               <p:cNvPr id="3" name="Content Placeholder 2"/>
@@ -16847,7 +17029,7 @@
             </p:txBody>
           </p:sp>
         </mc:Choice>
-        <mc:Fallback>
+        <mc:Fallback xmlns="">
           <p:sp>
             <p:nvSpPr>
               <p:cNvPr id="3" name="Content Placeholder 2"/>
@@ -16998,7 +17180,7 @@
                   <a:rPr lang="en-US" sz="2400" dirty="0">
                     <a:cs typeface="Times New Roman" panose="02020603050405020304" pitchFamily="18" charset="0"/>
                   </a:rPr>
-                  <a:t>We can exploit the fact that </a:t>
+                  <a:t>We can exploit that many </a:t>
                 </a:r>
                 <a:r>
                   <a:rPr lang="en-US" sz="2400" b="1" dirty="0">
@@ -17497,7 +17679,7 @@
                   <a:rPr lang="en-US" sz="2400" dirty="0">
                     <a:cs typeface="Times New Roman" panose="02020603050405020304" pitchFamily="18" charset="0"/>
                   </a:rPr>
-                  <a:t> you might include are group-time varying. What does this mean in practice? </a:t>
+                  <a:t> you might              include are group-time varying. What does this mean in practice? </a:t>
                 </a:r>
               </a:p>
             </p:txBody>
@@ -17531,7 +17713,7 @@
               <a:lstStyle/>
               <a:p>
                 <a:r>
-                  <a:rPr lang="en-US">
+                  <a:rPr lang="en-CA">
                     <a:noFill/>
                   </a:rPr>
                   <a:t> </a:t>
@@ -17570,7 +17752,7 @@
         </p:blipFill>
         <p:spPr bwMode="auto">
           <a:xfrm>
-            <a:off x="9601200" y="5181600"/>
+            <a:off x="9829800" y="5257800"/>
             <a:ext cx="1371600" cy="1371600"/>
           </a:xfrm>
           <a:prstGeom prst="rect">
@@ -18168,8 +18350,8 @@
           </a:p>
         </p:txBody>
       </p:sp>
-      <mc:AlternateContent xmlns:mc="http://schemas.openxmlformats.org/markup-compatibility/2006">
-        <mc:Choice xmlns:a14="http://schemas.microsoft.com/office/drawing/2010/main" Requires="a14">
+      <mc:AlternateContent xmlns:mc="http://schemas.openxmlformats.org/markup-compatibility/2006" xmlns:a14="http://schemas.microsoft.com/office/drawing/2010/main">
+        <mc:Choice Requires="a14">
           <p:sp>
             <p:nvSpPr>
               <p:cNvPr id="3" name="Content Placeholder 2"/>
@@ -18338,7 +18520,7 @@
             </p:txBody>
           </p:sp>
         </mc:Choice>
-        <mc:Fallback>
+        <mc:Fallback xmlns="">
           <p:sp>
             <p:nvSpPr>
               <p:cNvPr id="3" name="Content Placeholder 2"/>
@@ -18441,8 +18623,8 @@
           </a:p>
         </p:txBody>
       </p:sp>
-      <mc:AlternateContent xmlns:mc="http://schemas.openxmlformats.org/markup-compatibility/2006">
-        <mc:Choice xmlns:a14="http://schemas.microsoft.com/office/drawing/2010/main" Requires="a14">
+      <mc:AlternateContent xmlns:mc="http://schemas.openxmlformats.org/markup-compatibility/2006" xmlns:a14="http://schemas.microsoft.com/office/drawing/2010/main">
+        <mc:Choice Requires="a14">
           <p:sp>
             <p:nvSpPr>
               <p:cNvPr id="3" name="Content Placeholder 2"/>
@@ -18623,7 +18805,7 @@
             </p:txBody>
           </p:sp>
         </mc:Choice>
-        <mc:Fallback>
+        <mc:Fallback xmlns="">
           <p:sp>
             <p:nvSpPr>
               <p:cNvPr id="3" name="Content Placeholder 2"/>
@@ -18726,8 +18908,8 @@
           </a:p>
         </p:txBody>
       </p:sp>
-      <mc:AlternateContent xmlns:mc="http://schemas.openxmlformats.org/markup-compatibility/2006">
-        <mc:Choice xmlns:a14="http://schemas.microsoft.com/office/drawing/2010/main" Requires="a14">
+      <mc:AlternateContent xmlns:mc="http://schemas.openxmlformats.org/markup-compatibility/2006" xmlns:a14="http://schemas.microsoft.com/office/drawing/2010/main">
+        <mc:Choice Requires="a14">
           <p:sp>
             <p:nvSpPr>
               <p:cNvPr id="3" name="Content Placeholder 2"/>
@@ -18950,7 +19132,7 @@
             </p:txBody>
           </p:sp>
         </mc:Choice>
-        <mc:Fallback>
+        <mc:Fallback xmlns="">
           <p:sp>
             <p:nvSpPr>
               <p:cNvPr id="3" name="Content Placeholder 2"/>
@@ -19285,8 +19467,8 @@
           </a:p>
         </p:txBody>
       </p:sp>
-      <mc:AlternateContent xmlns:mc="http://schemas.openxmlformats.org/markup-compatibility/2006">
-        <mc:Choice xmlns:a14="http://schemas.microsoft.com/office/drawing/2010/main" Requires="a14">
+      <mc:AlternateContent xmlns:mc="http://schemas.openxmlformats.org/markup-compatibility/2006" xmlns:a14="http://schemas.microsoft.com/office/drawing/2010/main">
+        <mc:Choice Requires="a14">
           <p:sp>
             <p:nvSpPr>
               <p:cNvPr id="3" name="Content Placeholder 2"/>
@@ -19649,7 +19831,7 @@
             </p:txBody>
           </p:sp>
         </mc:Choice>
-        <mc:Fallback>
+        <mc:Fallback xmlns="">
           <p:sp>
             <p:nvSpPr>
               <p:cNvPr id="3" name="Content Placeholder 2"/>
@@ -19752,8 +19934,8 @@
           </a:p>
         </p:txBody>
       </p:sp>
-      <mc:AlternateContent xmlns:mc="http://schemas.openxmlformats.org/markup-compatibility/2006">
-        <mc:Choice xmlns:a14="http://schemas.microsoft.com/office/drawing/2010/main" Requires="a14">
+      <mc:AlternateContent xmlns:mc="http://schemas.openxmlformats.org/markup-compatibility/2006" xmlns:a14="http://schemas.microsoft.com/office/drawing/2010/main">
+        <mc:Choice Requires="a14">
           <p:sp>
             <p:nvSpPr>
               <p:cNvPr id="3" name="Content Placeholder 2"/>
@@ -20310,7 +20492,7 @@
             </p:txBody>
           </p:sp>
         </mc:Choice>
-        <mc:Fallback>
+        <mc:Fallback xmlns="">
           <p:sp>
             <p:nvSpPr>
               <p:cNvPr id="3" name="Content Placeholder 2"/>
@@ -21409,8 +21591,8 @@
           </a:p>
         </p:txBody>
       </p:sp>
-      <mc:AlternateContent xmlns:mc="http://schemas.openxmlformats.org/markup-compatibility/2006">
-        <mc:Choice xmlns:a14="http://schemas.microsoft.com/office/drawing/2010/main" Requires="a14">
+      <mc:AlternateContent xmlns:mc="http://schemas.openxmlformats.org/markup-compatibility/2006" xmlns:a14="http://schemas.microsoft.com/office/drawing/2010/main">
+        <mc:Choice Requires="a14">
           <p:sp>
             <p:nvSpPr>
               <p:cNvPr id="3" name="Content Placeholder 2"/>
@@ -21497,7 +21679,7 @@
             </p:txBody>
           </p:sp>
         </mc:Choice>
-        <mc:Fallback>
+        <mc:Fallback xmlns="">
           <p:sp>
             <p:nvSpPr>
               <p:cNvPr id="3" name="Content Placeholder 2"/>
@@ -22031,8 +22213,8 @@
           </a:p>
         </p:txBody>
       </p:sp>
-      <mc:AlternateContent xmlns:mc="http://schemas.openxmlformats.org/markup-compatibility/2006">
-        <mc:Choice xmlns:a14="http://schemas.microsoft.com/office/drawing/2010/main" Requires="a14">
+      <mc:AlternateContent xmlns:mc="http://schemas.openxmlformats.org/markup-compatibility/2006" xmlns:a14="http://schemas.microsoft.com/office/drawing/2010/main">
+        <mc:Choice Requires="a14">
           <p:sp>
             <p:nvSpPr>
               <p:cNvPr id="3" name="Content Placeholder 2"/>
@@ -22175,7 +22357,7 @@
             </p:txBody>
           </p:sp>
         </mc:Choice>
-        <mc:Fallback>
+        <mc:Fallback xmlns="">
           <p:sp>
             <p:nvSpPr>
               <p:cNvPr id="3" name="Content Placeholder 2"/>
